--- a/AkiBot.pptx
+++ b/AkiBot.pptx
@@ -8,6 +8,7 @@
     <p:sldId id="256" r:id="rId2"/>
     <p:sldId id="257" r:id="rId3"/>
     <p:sldId id="258" r:id="rId4"/>
+    <p:sldId id="259" r:id="rId5"/>
   </p:sldIdLst>
   <p:sldSz cx="12192000" cy="6858000"/>
   <p:notesSz cx="6858000" cy="9144000"/>
@@ -164,7 +165,7 @@
           <a:noFill/>
           <a:extLst>
             <a:ext uri="{909E8E84-426E-40dd-AFC4-6F175D3DCCD1}">
-              <a14:hiddenFill xmlns:a14="http://schemas.microsoft.com/office/drawing/2010/main" xmlns="">
+              <a14:hiddenFill xmlns="" xmlns:a14="http://schemas.microsoft.com/office/drawing/2010/main">
                 <a:solidFill>
                   <a:srgbClr val="FFFFFF"/>
                 </a:solidFill>
@@ -224,7 +225,7 @@
             </a:ln>
             <a:extLst>
               <a:ext uri="{91240B29-F687-4f45-9708-019B960494DF}">
-                <a14:hiddenLine xmlns:a14="http://schemas.microsoft.com/office/drawing/2010/main" xmlns="" w="9525">
+                <a14:hiddenLine xmlns="" xmlns:a14="http://schemas.microsoft.com/office/drawing/2010/main" w="9525">
                   <a:solidFill>
                     <a:srgbClr val="000000"/>
                   </a:solidFill>
@@ -314,7 +315,7 @@
             </a:ln>
             <a:extLst>
               <a:ext uri="{91240B29-F687-4f45-9708-019B960494DF}">
-                <a14:hiddenLine xmlns:a14="http://schemas.microsoft.com/office/drawing/2010/main" xmlns="" w="9525">
+                <a14:hiddenLine xmlns="" xmlns:a14="http://schemas.microsoft.com/office/drawing/2010/main" w="9525">
                   <a:solidFill>
                     <a:srgbClr val="000000"/>
                   </a:solidFill>
@@ -404,7 +405,7 @@
             </a:ln>
             <a:extLst>
               <a:ext uri="{91240B29-F687-4f45-9708-019B960494DF}">
-                <a14:hiddenLine xmlns:a14="http://schemas.microsoft.com/office/drawing/2010/main" xmlns="" w="9525">
+                <a14:hiddenLine xmlns="" xmlns:a14="http://schemas.microsoft.com/office/drawing/2010/main" w="9525">
                   <a:solidFill>
                     <a:srgbClr val="000000"/>
                   </a:solidFill>
@@ -438,7 +439,7 @@
             </a:ln>
             <a:extLst>
               <a:ext uri="{91240B29-F687-4f45-9708-019B960494DF}">
-                <a14:hiddenLine xmlns:a14="http://schemas.microsoft.com/office/drawing/2010/main" xmlns="" w="9525">
+                <a14:hiddenLine xmlns="" xmlns:a14="http://schemas.microsoft.com/office/drawing/2010/main" w="9525">
                   <a:solidFill>
                     <a:srgbClr val="000000"/>
                   </a:solidFill>
@@ -528,7 +529,7 @@
             </a:ln>
             <a:extLst>
               <a:ext uri="{91240B29-F687-4f45-9708-019B960494DF}">
-                <a14:hiddenLine xmlns:a14="http://schemas.microsoft.com/office/drawing/2010/main" xmlns="" w="9525">
+                <a14:hiddenLine xmlns="" xmlns:a14="http://schemas.microsoft.com/office/drawing/2010/main" w="9525">
                   <a:solidFill>
                     <a:srgbClr val="000000"/>
                   </a:solidFill>
@@ -590,7 +591,7 @@
             </a:ln>
             <a:extLst>
               <a:ext uri="{91240B29-F687-4f45-9708-019B960494DF}">
-                <a14:hiddenLine xmlns:a14="http://schemas.microsoft.com/office/drawing/2010/main" xmlns="" w="9525">
+                <a14:hiddenLine xmlns="" xmlns:a14="http://schemas.microsoft.com/office/drawing/2010/main" w="9525">
                   <a:solidFill>
                     <a:srgbClr val="000000"/>
                   </a:solidFill>
@@ -652,7 +653,7 @@
             </a:ln>
             <a:extLst>
               <a:ext uri="{91240B29-F687-4f45-9708-019B960494DF}">
-                <a14:hiddenLine xmlns:a14="http://schemas.microsoft.com/office/drawing/2010/main" xmlns="" w="9525">
+                <a14:hiddenLine xmlns="" xmlns:a14="http://schemas.microsoft.com/office/drawing/2010/main" w="9525">
                   <a:solidFill>
                     <a:srgbClr val="000000"/>
                   </a:solidFill>
@@ -742,7 +743,7 @@
             </a:ln>
             <a:extLst>
               <a:ext uri="{91240B29-F687-4f45-9708-019B960494DF}">
-                <a14:hiddenLine xmlns:a14="http://schemas.microsoft.com/office/drawing/2010/main" xmlns="" w="9525">
+                <a14:hiddenLine xmlns="" xmlns:a14="http://schemas.microsoft.com/office/drawing/2010/main" w="9525">
                   <a:solidFill>
                     <a:srgbClr val="000000"/>
                   </a:solidFill>
@@ -804,7 +805,7 @@
             </a:ln>
             <a:extLst>
               <a:ext uri="{91240B29-F687-4f45-9708-019B960494DF}">
-                <a14:hiddenLine xmlns:a14="http://schemas.microsoft.com/office/drawing/2010/main" xmlns="" w="9525">
+                <a14:hiddenLine xmlns="" xmlns:a14="http://schemas.microsoft.com/office/drawing/2010/main" w="9525">
                   <a:solidFill>
                     <a:srgbClr val="000000"/>
                   </a:solidFill>
@@ -866,7 +867,7 @@
             </a:ln>
             <a:extLst>
               <a:ext uri="{91240B29-F687-4f45-9708-019B960494DF}">
-                <a14:hiddenLine xmlns:a14="http://schemas.microsoft.com/office/drawing/2010/main" xmlns="" w="9525">
+                <a14:hiddenLine xmlns="" xmlns:a14="http://schemas.microsoft.com/office/drawing/2010/main" w="9525">
                   <a:solidFill>
                     <a:srgbClr val="000000"/>
                   </a:solidFill>
@@ -956,7 +957,7 @@
             </a:ln>
             <a:extLst>
               <a:ext uri="{91240B29-F687-4f45-9708-019B960494DF}">
-                <a14:hiddenLine xmlns:a14="http://schemas.microsoft.com/office/drawing/2010/main" xmlns="" w="9525">
+                <a14:hiddenLine xmlns="" xmlns:a14="http://schemas.microsoft.com/office/drawing/2010/main" w="9525">
                   <a:solidFill>
                     <a:srgbClr val="000000"/>
                   </a:solidFill>
@@ -1046,7 +1047,7 @@
             </a:ln>
             <a:extLst>
               <a:ext uri="{91240B29-F687-4f45-9708-019B960494DF}">
-                <a14:hiddenLine xmlns:a14="http://schemas.microsoft.com/office/drawing/2010/main" xmlns="" w="9525">
+                <a14:hiddenLine xmlns="" xmlns:a14="http://schemas.microsoft.com/office/drawing/2010/main" w="9525">
                   <a:solidFill>
                     <a:srgbClr val="000000"/>
                   </a:solidFill>
@@ -1108,7 +1109,7 @@
             </a:ln>
             <a:extLst>
               <a:ext uri="{91240B29-F687-4f45-9708-019B960494DF}">
-                <a14:hiddenLine xmlns:a14="http://schemas.microsoft.com/office/drawing/2010/main" xmlns="" w="9525">
+                <a14:hiddenLine xmlns="" xmlns:a14="http://schemas.microsoft.com/office/drawing/2010/main" w="9525">
                   <a:solidFill>
                     <a:srgbClr val="000000"/>
                   </a:solidFill>
@@ -1218,7 +1219,7 @@
             </a:ln>
             <a:extLst>
               <a:ext uri="{91240B29-F687-4f45-9708-019B960494DF}">
-                <a14:hiddenLine xmlns:a14="http://schemas.microsoft.com/office/drawing/2010/main" xmlns="" w="9525">
+                <a14:hiddenLine xmlns="" xmlns:a14="http://schemas.microsoft.com/office/drawing/2010/main" w="9525">
                   <a:solidFill>
                     <a:srgbClr val="000000"/>
                   </a:solidFill>
@@ -1280,7 +1281,7 @@
             </a:ln>
             <a:extLst>
               <a:ext uri="{91240B29-F687-4f45-9708-019B960494DF}">
-                <a14:hiddenLine xmlns:a14="http://schemas.microsoft.com/office/drawing/2010/main" xmlns="" w="9525">
+                <a14:hiddenLine xmlns="" xmlns:a14="http://schemas.microsoft.com/office/drawing/2010/main" w="9525">
                   <a:solidFill>
                     <a:srgbClr val="000000"/>
                   </a:solidFill>
@@ -1370,7 +1371,7 @@
             </a:ln>
             <a:extLst>
               <a:ext uri="{91240B29-F687-4f45-9708-019B960494DF}">
-                <a14:hiddenLine xmlns:a14="http://schemas.microsoft.com/office/drawing/2010/main" xmlns="" w="9525">
+                <a14:hiddenLine xmlns="" xmlns:a14="http://schemas.microsoft.com/office/drawing/2010/main" w="9525">
                   <a:solidFill>
                     <a:srgbClr val="000000"/>
                   </a:solidFill>
@@ -1460,7 +1461,7 @@
             </a:ln>
             <a:extLst>
               <a:ext uri="{91240B29-F687-4f45-9708-019B960494DF}">
-                <a14:hiddenLine xmlns:a14="http://schemas.microsoft.com/office/drawing/2010/main" xmlns="" w="9525">
+                <a14:hiddenLine xmlns="" xmlns:a14="http://schemas.microsoft.com/office/drawing/2010/main" w="9525">
                   <a:solidFill>
                     <a:srgbClr val="000000"/>
                   </a:solidFill>
@@ -1522,7 +1523,7 @@
             </a:ln>
             <a:extLst>
               <a:ext uri="{91240B29-F687-4f45-9708-019B960494DF}">
-                <a14:hiddenLine xmlns:a14="http://schemas.microsoft.com/office/drawing/2010/main" xmlns="" w="9525">
+                <a14:hiddenLine xmlns="" xmlns:a14="http://schemas.microsoft.com/office/drawing/2010/main" w="9525">
                   <a:solidFill>
                     <a:srgbClr val="000000"/>
                   </a:solidFill>
@@ -1612,7 +1613,7 @@
             </a:ln>
             <a:extLst>
               <a:ext uri="{91240B29-F687-4f45-9708-019B960494DF}">
-                <a14:hiddenLine xmlns:a14="http://schemas.microsoft.com/office/drawing/2010/main" xmlns="" w="9525">
+                <a14:hiddenLine xmlns="" xmlns:a14="http://schemas.microsoft.com/office/drawing/2010/main" w="9525">
                   <a:solidFill>
                     <a:srgbClr val="000000"/>
                   </a:solidFill>
@@ -1702,7 +1703,7 @@
             </a:ln>
             <a:extLst>
               <a:ext uri="{91240B29-F687-4f45-9708-019B960494DF}">
-                <a14:hiddenLine xmlns:a14="http://schemas.microsoft.com/office/drawing/2010/main" xmlns="" w="9525">
+                <a14:hiddenLine xmlns="" xmlns:a14="http://schemas.microsoft.com/office/drawing/2010/main" w="9525">
                   <a:solidFill>
                     <a:srgbClr val="000000"/>
                   </a:solidFill>
@@ -1758,7 +1759,7 @@
             </a:ln>
             <a:extLst>
               <a:ext uri="{91240B29-F687-4f45-9708-019B960494DF}">
-                <a14:hiddenLine xmlns:a14="http://schemas.microsoft.com/office/drawing/2010/main" xmlns="" w="9525">
+                <a14:hiddenLine xmlns="" xmlns:a14="http://schemas.microsoft.com/office/drawing/2010/main" w="9525">
                   <a:solidFill>
                     <a:srgbClr val="000000"/>
                   </a:solidFill>
@@ -1848,7 +1849,7 @@
             </a:ln>
             <a:extLst>
               <a:ext uri="{91240B29-F687-4f45-9708-019B960494DF}">
-                <a14:hiddenLine xmlns:a14="http://schemas.microsoft.com/office/drawing/2010/main" xmlns="" w="9525">
+                <a14:hiddenLine xmlns="" xmlns:a14="http://schemas.microsoft.com/office/drawing/2010/main" w="9525">
                   <a:solidFill>
                     <a:srgbClr val="000000"/>
                   </a:solidFill>
@@ -1904,7 +1905,7 @@
             </a:ln>
             <a:extLst>
               <a:ext uri="{91240B29-F687-4f45-9708-019B960494DF}">
-                <a14:hiddenLine xmlns:a14="http://schemas.microsoft.com/office/drawing/2010/main" xmlns="" w="9525">
+                <a14:hiddenLine xmlns="" xmlns:a14="http://schemas.microsoft.com/office/drawing/2010/main" w="9525">
                   <a:solidFill>
                     <a:srgbClr val="000000"/>
                   </a:solidFill>
@@ -1994,7 +1995,7 @@
             </a:ln>
             <a:extLst>
               <a:ext uri="{91240B29-F687-4f45-9708-019B960494DF}">
-                <a14:hiddenLine xmlns:a14="http://schemas.microsoft.com/office/drawing/2010/main" xmlns="" w="9525">
+                <a14:hiddenLine xmlns="" xmlns:a14="http://schemas.microsoft.com/office/drawing/2010/main" w="9525">
                   <a:solidFill>
                     <a:srgbClr val="000000"/>
                   </a:solidFill>
@@ -2062,7 +2063,7 @@
             </a:ln>
             <a:extLst>
               <a:ext uri="{91240B29-F687-4f45-9708-019B960494DF}">
-                <a14:hiddenLine xmlns:a14="http://schemas.microsoft.com/office/drawing/2010/main" xmlns="" w="9525">
+                <a14:hiddenLine xmlns="" xmlns:a14="http://schemas.microsoft.com/office/drawing/2010/main" w="9525">
                   <a:solidFill>
                     <a:srgbClr val="000000"/>
                   </a:solidFill>
@@ -2152,7 +2153,7 @@
             </a:ln>
             <a:extLst>
               <a:ext uri="{91240B29-F687-4f45-9708-019B960494DF}">
-                <a14:hiddenLine xmlns:a14="http://schemas.microsoft.com/office/drawing/2010/main" xmlns="" w="9525">
+                <a14:hiddenLine xmlns="" xmlns:a14="http://schemas.microsoft.com/office/drawing/2010/main" w="9525">
                   <a:solidFill>
                     <a:srgbClr val="000000"/>
                   </a:solidFill>
@@ -2220,7 +2221,7 @@
             </a:ln>
             <a:extLst>
               <a:ext uri="{91240B29-F687-4f45-9708-019B960494DF}">
-                <a14:hiddenLine xmlns:a14="http://schemas.microsoft.com/office/drawing/2010/main" xmlns="" w="9525">
+                <a14:hiddenLine xmlns="" xmlns:a14="http://schemas.microsoft.com/office/drawing/2010/main" w="9525">
                   <a:solidFill>
                     <a:srgbClr val="000000"/>
                   </a:solidFill>
@@ -2310,7 +2311,7 @@
             </a:ln>
             <a:extLst>
               <a:ext uri="{91240B29-F687-4f45-9708-019B960494DF}">
-                <a14:hiddenLine xmlns:a14="http://schemas.microsoft.com/office/drawing/2010/main" xmlns="" w="9525">
+                <a14:hiddenLine xmlns="" xmlns:a14="http://schemas.microsoft.com/office/drawing/2010/main" w="9525">
                   <a:solidFill>
                     <a:srgbClr val="000000"/>
                   </a:solidFill>
@@ -2344,7 +2345,7 @@
             </a:ln>
             <a:extLst>
               <a:ext uri="{91240B29-F687-4f45-9708-019B960494DF}">
-                <a14:hiddenLine xmlns:a14="http://schemas.microsoft.com/office/drawing/2010/main" xmlns="" w="9525">
+                <a14:hiddenLine xmlns="" xmlns:a14="http://schemas.microsoft.com/office/drawing/2010/main" w="9525">
                   <a:solidFill>
                     <a:srgbClr val="000000"/>
                   </a:solidFill>
@@ -2434,7 +2435,7 @@
             </a:ln>
             <a:extLst>
               <a:ext uri="{91240B29-F687-4f45-9708-019B960494DF}">
-                <a14:hiddenLine xmlns:a14="http://schemas.microsoft.com/office/drawing/2010/main" xmlns="" w="9525">
+                <a14:hiddenLine xmlns="" xmlns:a14="http://schemas.microsoft.com/office/drawing/2010/main" w="9525">
                   <a:solidFill>
                     <a:srgbClr val="000000"/>
                   </a:solidFill>
@@ -2496,7 +2497,7 @@
             </a:ln>
             <a:extLst>
               <a:ext uri="{91240B29-F687-4f45-9708-019B960494DF}">
-                <a14:hiddenLine xmlns:a14="http://schemas.microsoft.com/office/drawing/2010/main" xmlns="" w="9525">
+                <a14:hiddenLine xmlns="" xmlns:a14="http://schemas.microsoft.com/office/drawing/2010/main" w="9525">
                   <a:solidFill>
                     <a:srgbClr val="000000"/>
                   </a:solidFill>
@@ -2558,7 +2559,7 @@
             </a:ln>
             <a:extLst>
               <a:ext uri="{91240B29-F687-4f45-9708-019B960494DF}">
-                <a14:hiddenLine xmlns:a14="http://schemas.microsoft.com/office/drawing/2010/main" xmlns="" w="9525">
+                <a14:hiddenLine xmlns="" xmlns:a14="http://schemas.microsoft.com/office/drawing/2010/main" w="9525">
                   <a:solidFill>
                     <a:srgbClr val="000000"/>
                   </a:solidFill>
@@ -2648,7 +2649,7 @@
             </a:ln>
             <a:extLst>
               <a:ext uri="{91240B29-F687-4f45-9708-019B960494DF}">
-                <a14:hiddenLine xmlns:a14="http://schemas.microsoft.com/office/drawing/2010/main" xmlns="" w="9525">
+                <a14:hiddenLine xmlns="" xmlns:a14="http://schemas.microsoft.com/office/drawing/2010/main" w="9525">
                   <a:solidFill>
                     <a:srgbClr val="000000"/>
                   </a:solidFill>
@@ -2716,7 +2717,7 @@
             </a:ln>
             <a:extLst>
               <a:ext uri="{91240B29-F687-4f45-9708-019B960494DF}">
-                <a14:hiddenLine xmlns:a14="http://schemas.microsoft.com/office/drawing/2010/main" xmlns="" w="9525">
+                <a14:hiddenLine xmlns="" xmlns:a14="http://schemas.microsoft.com/office/drawing/2010/main" w="9525">
                   <a:solidFill>
                     <a:srgbClr val="000000"/>
                   </a:solidFill>
@@ -2778,7 +2779,7 @@
             </a:ln>
             <a:extLst>
               <a:ext uri="{91240B29-F687-4f45-9708-019B960494DF}">
-                <a14:hiddenLine xmlns:a14="http://schemas.microsoft.com/office/drawing/2010/main" xmlns="" w="9525">
+                <a14:hiddenLine xmlns="" xmlns:a14="http://schemas.microsoft.com/office/drawing/2010/main" w="9525">
                   <a:solidFill>
                     <a:srgbClr val="000000"/>
                   </a:solidFill>
@@ -2868,7 +2869,7 @@
             </a:ln>
             <a:extLst>
               <a:ext uri="{91240B29-F687-4f45-9708-019B960494DF}">
-                <a14:hiddenLine xmlns:a14="http://schemas.microsoft.com/office/drawing/2010/main" xmlns="" w="9525">
+                <a14:hiddenLine xmlns="" xmlns:a14="http://schemas.microsoft.com/office/drawing/2010/main" w="9525">
                   <a:solidFill>
                     <a:srgbClr val="000000"/>
                   </a:solidFill>
@@ -2930,7 +2931,7 @@
             </a:ln>
             <a:extLst>
               <a:ext uri="{91240B29-F687-4f45-9708-019B960494DF}">
-                <a14:hiddenLine xmlns:a14="http://schemas.microsoft.com/office/drawing/2010/main" xmlns="" w="9525">
+                <a14:hiddenLine xmlns="" xmlns:a14="http://schemas.microsoft.com/office/drawing/2010/main" w="9525">
                   <a:solidFill>
                     <a:srgbClr val="000000"/>
                   </a:solidFill>
@@ -3020,7 +3021,7 @@
             </a:ln>
             <a:extLst>
               <a:ext uri="{91240B29-F687-4f45-9708-019B960494DF}">
-                <a14:hiddenLine xmlns:a14="http://schemas.microsoft.com/office/drawing/2010/main" xmlns="" w="9525">
+                <a14:hiddenLine xmlns="" xmlns:a14="http://schemas.microsoft.com/office/drawing/2010/main" w="9525">
                   <a:solidFill>
                     <a:srgbClr val="000000"/>
                   </a:solidFill>
@@ -3082,7 +3083,7 @@
             </a:ln>
             <a:extLst>
               <a:ext uri="{91240B29-F687-4f45-9708-019B960494DF}">
-                <a14:hiddenLine xmlns:a14="http://schemas.microsoft.com/office/drawing/2010/main" xmlns="" w="9525">
+                <a14:hiddenLine xmlns="" xmlns:a14="http://schemas.microsoft.com/office/drawing/2010/main" w="9525">
                   <a:solidFill>
                     <a:srgbClr val="000000"/>
                   </a:solidFill>
@@ -3172,7 +3173,7 @@
             </a:ln>
             <a:extLst>
               <a:ext uri="{91240B29-F687-4f45-9708-019B960494DF}">
-                <a14:hiddenLine xmlns:a14="http://schemas.microsoft.com/office/drawing/2010/main" xmlns="" w="9525">
+                <a14:hiddenLine xmlns="" xmlns:a14="http://schemas.microsoft.com/office/drawing/2010/main" w="9525">
                   <a:solidFill>
                     <a:srgbClr val="000000"/>
                   </a:solidFill>
@@ -3206,7 +3207,7 @@
             </a:ln>
             <a:extLst>
               <a:ext uri="{91240B29-F687-4f45-9708-019B960494DF}">
-                <a14:hiddenLine xmlns:a14="http://schemas.microsoft.com/office/drawing/2010/main" xmlns="" w="9525">
+                <a14:hiddenLine xmlns="" xmlns:a14="http://schemas.microsoft.com/office/drawing/2010/main" w="9525">
                   <a:solidFill>
                     <a:srgbClr val="000000"/>
                   </a:solidFill>
@@ -3271,7 +3272,7 @@
             </a:ln>
             <a:extLst>
               <a:ext uri="{91240B29-F687-4f45-9708-019B960494DF}">
-                <a14:hiddenLine xmlns:a14="http://schemas.microsoft.com/office/drawing/2010/main" xmlns="" w="9525">
+                <a14:hiddenLine xmlns="" xmlns:a14="http://schemas.microsoft.com/office/drawing/2010/main" w="9525">
                   <a:solidFill>
                     <a:srgbClr val="000000"/>
                   </a:solidFill>
@@ -3361,7 +3362,7 @@
             </a:ln>
             <a:extLst>
               <a:ext uri="{91240B29-F687-4f45-9708-019B960494DF}">
-                <a14:hiddenLine xmlns:a14="http://schemas.microsoft.com/office/drawing/2010/main" xmlns="" w="9525">
+                <a14:hiddenLine xmlns="" xmlns:a14="http://schemas.microsoft.com/office/drawing/2010/main" w="9525">
                   <a:solidFill>
                     <a:srgbClr val="000000"/>
                   </a:solidFill>
@@ -3423,7 +3424,7 @@
             </a:ln>
             <a:extLst>
               <a:ext uri="{91240B29-F687-4f45-9708-019B960494DF}">
-                <a14:hiddenLine xmlns:a14="http://schemas.microsoft.com/office/drawing/2010/main" xmlns="" w="9525">
+                <a14:hiddenLine xmlns="" xmlns:a14="http://schemas.microsoft.com/office/drawing/2010/main" w="9525">
                   <a:solidFill>
                     <a:srgbClr val="000000"/>
                   </a:solidFill>
@@ -3513,7 +3514,7 @@
             </a:ln>
             <a:extLst>
               <a:ext uri="{91240B29-F687-4f45-9708-019B960494DF}">
-                <a14:hiddenLine xmlns:a14="http://schemas.microsoft.com/office/drawing/2010/main" xmlns="" w="9525">
+                <a14:hiddenLine xmlns="" xmlns:a14="http://schemas.microsoft.com/office/drawing/2010/main" w="9525">
                   <a:solidFill>
                     <a:srgbClr val="000000"/>
                   </a:solidFill>
@@ -3603,7 +3604,7 @@
             </a:ln>
             <a:extLst>
               <a:ext uri="{91240B29-F687-4f45-9708-019B960494DF}">
-                <a14:hiddenLine xmlns:a14="http://schemas.microsoft.com/office/drawing/2010/main" xmlns="" w="9525">
+                <a14:hiddenLine xmlns="" xmlns:a14="http://schemas.microsoft.com/office/drawing/2010/main" w="9525">
                   <a:solidFill>
                     <a:srgbClr val="000000"/>
                   </a:solidFill>
@@ -3668,7 +3669,7 @@
             </a:ln>
             <a:extLst>
               <a:ext uri="{91240B29-F687-4f45-9708-019B960494DF}">
-                <a14:hiddenLine xmlns:a14="http://schemas.microsoft.com/office/drawing/2010/main" xmlns="" w="9525">
+                <a14:hiddenLine xmlns="" xmlns:a14="http://schemas.microsoft.com/office/drawing/2010/main" w="9525">
                   <a:solidFill>
                     <a:srgbClr val="000000"/>
                   </a:solidFill>
@@ -3730,7 +3731,7 @@
             </a:ln>
             <a:extLst>
               <a:ext uri="{91240B29-F687-4f45-9708-019B960494DF}">
-                <a14:hiddenLine xmlns:a14="http://schemas.microsoft.com/office/drawing/2010/main" xmlns="" w="9525">
+                <a14:hiddenLine xmlns="" xmlns:a14="http://schemas.microsoft.com/office/drawing/2010/main" w="9525">
                   <a:solidFill>
                     <a:srgbClr val="000000"/>
                   </a:solidFill>
@@ -3820,7 +3821,7 @@
             </a:ln>
             <a:extLst>
               <a:ext uri="{91240B29-F687-4f45-9708-019B960494DF}">
-                <a14:hiddenLine xmlns:a14="http://schemas.microsoft.com/office/drawing/2010/main" xmlns="" w="9525">
+                <a14:hiddenLine xmlns="" xmlns:a14="http://schemas.microsoft.com/office/drawing/2010/main" w="9525">
                   <a:solidFill>
                     <a:srgbClr val="000000"/>
                   </a:solidFill>
@@ -3910,7 +3911,7 @@
             </a:ln>
             <a:extLst>
               <a:ext uri="{91240B29-F687-4f45-9708-019B960494DF}">
-                <a14:hiddenLine xmlns:a14="http://schemas.microsoft.com/office/drawing/2010/main" xmlns="" w="9525">
+                <a14:hiddenLine xmlns="" xmlns:a14="http://schemas.microsoft.com/office/drawing/2010/main" w="9525">
                   <a:solidFill>
                     <a:srgbClr val="000000"/>
                   </a:solidFill>
@@ -3972,7 +3973,7 @@
             </a:ln>
             <a:extLst>
               <a:ext uri="{91240B29-F687-4f45-9708-019B960494DF}">
-                <a14:hiddenLine xmlns:a14="http://schemas.microsoft.com/office/drawing/2010/main" xmlns="" w="9525">
+                <a14:hiddenLine xmlns="" xmlns:a14="http://schemas.microsoft.com/office/drawing/2010/main" w="9525">
                   <a:solidFill>
                     <a:srgbClr val="000000"/>
                   </a:solidFill>
@@ -4092,7 +4093,7 @@
             </a:ln>
             <a:extLst>
               <a:ext uri="{91240B29-F687-4f45-9708-019B960494DF}">
-                <a14:hiddenLine xmlns:a14="http://schemas.microsoft.com/office/drawing/2010/main" xmlns="" w="9525">
+                <a14:hiddenLine xmlns="" xmlns:a14="http://schemas.microsoft.com/office/drawing/2010/main" w="9525">
                   <a:solidFill>
                     <a:srgbClr val="000000"/>
                   </a:solidFill>
@@ -4160,7 +4161,7 @@
             </a:ln>
             <a:extLst>
               <a:ext uri="{91240B29-F687-4f45-9708-019B960494DF}">
-                <a14:hiddenLine xmlns:a14="http://schemas.microsoft.com/office/drawing/2010/main" xmlns="" w="9525">
+                <a14:hiddenLine xmlns="" xmlns:a14="http://schemas.microsoft.com/office/drawing/2010/main" w="9525">
                   <a:solidFill>
                     <a:srgbClr val="000000"/>
                   </a:solidFill>
@@ -4250,7 +4251,7 @@
             </a:ln>
             <a:extLst>
               <a:ext uri="{91240B29-F687-4f45-9708-019B960494DF}">
-                <a14:hiddenLine xmlns:a14="http://schemas.microsoft.com/office/drawing/2010/main" xmlns="" w="9525">
+                <a14:hiddenLine xmlns="" xmlns:a14="http://schemas.microsoft.com/office/drawing/2010/main" w="9525">
                   <a:solidFill>
                     <a:srgbClr val="000000"/>
                   </a:solidFill>
@@ -4390,7 +4391,7 @@
           <a:p>
             <a:fld id="{64DCE64C-8487-40EE-8727-5E483AC79F68}" type="datetimeFigureOut">
               <a:rPr lang="ru-RU" smtClean="0"/>
-              <a:t>2015.01.16</a:t>
+              <a:t>2015.06.25</a:t>
             </a:fld>
             <a:endParaRPr lang="ru-RU"/>
           </a:p>
@@ -4657,7 +4658,7 @@
           <a:p>
             <a:fld id="{64DCE64C-8487-40EE-8727-5E483AC79F68}" type="datetimeFigureOut">
               <a:rPr lang="ru-RU" smtClean="0"/>
-              <a:t>2015.01.16</a:t>
+              <a:t>2015.06.25</a:t>
             </a:fld>
             <a:endParaRPr lang="ru-RU"/>
           </a:p>
@@ -4853,7 +4854,7 @@
           <a:p>
             <a:fld id="{64DCE64C-8487-40EE-8727-5E483AC79F68}" type="datetimeFigureOut">
               <a:rPr lang="ru-RU" smtClean="0"/>
-              <a:t>2015.01.16</a:t>
+              <a:t>2015.06.25</a:t>
             </a:fld>
             <a:endParaRPr lang="ru-RU"/>
           </a:p>
@@ -5116,7 +5117,7 @@
           <a:p>
             <a:fld id="{64DCE64C-8487-40EE-8727-5E483AC79F68}" type="datetimeFigureOut">
               <a:rPr lang="ru-RU" smtClean="0"/>
-              <a:t>2015.01.16</a:t>
+              <a:t>2015.06.25</a:t>
             </a:fld>
             <a:endParaRPr lang="ru-RU"/>
           </a:p>
@@ -5550,7 +5551,7 @@
           <a:p>
             <a:fld id="{64DCE64C-8487-40EE-8727-5E483AC79F68}" type="datetimeFigureOut">
               <a:rPr lang="ru-RU" smtClean="0"/>
-              <a:t>2015.01.16</a:t>
+              <a:t>2015.06.25</a:t>
             </a:fld>
             <a:endParaRPr lang="ru-RU"/>
           </a:p>
@@ -6096,7 +6097,7 @@
           <a:p>
             <a:fld id="{64DCE64C-8487-40EE-8727-5E483AC79F68}" type="datetimeFigureOut">
               <a:rPr lang="ru-RU" smtClean="0"/>
-              <a:t>2015.01.16</a:t>
+              <a:t>2015.06.25</a:t>
             </a:fld>
             <a:endParaRPr lang="ru-RU"/>
           </a:p>
@@ -6816,7 +6817,7 @@
           <a:p>
             <a:fld id="{64DCE64C-8487-40EE-8727-5E483AC79F68}" type="datetimeFigureOut">
               <a:rPr lang="ru-RU" smtClean="0"/>
-              <a:t>2015.01.16</a:t>
+              <a:t>2015.06.25</a:t>
             </a:fld>
             <a:endParaRPr lang="ru-RU"/>
           </a:p>
@@ -6986,7 +6987,7 @@
           <a:p>
             <a:fld id="{64DCE64C-8487-40EE-8727-5E483AC79F68}" type="datetimeFigureOut">
               <a:rPr lang="ru-RU" smtClean="0"/>
-              <a:t>2015.01.16</a:t>
+              <a:t>2015.06.25</a:t>
             </a:fld>
             <a:endParaRPr lang="ru-RU"/>
           </a:p>
@@ -7166,7 +7167,7 @@
           <a:p>
             <a:fld id="{64DCE64C-8487-40EE-8727-5E483AC79F68}" type="datetimeFigureOut">
               <a:rPr lang="ru-RU" smtClean="0"/>
-              <a:t>2015.01.16</a:t>
+              <a:t>2015.06.25</a:t>
             </a:fld>
             <a:endParaRPr lang="ru-RU"/>
           </a:p>
@@ -7336,7 +7337,7 @@
           <a:p>
             <a:fld id="{64DCE64C-8487-40EE-8727-5E483AC79F68}" type="datetimeFigureOut">
               <a:rPr lang="ru-RU" smtClean="0"/>
-              <a:t>2015.01.16</a:t>
+              <a:t>2015.06.25</a:t>
             </a:fld>
             <a:endParaRPr lang="ru-RU"/>
           </a:p>
@@ -7586,7 +7587,7 @@
           <a:p>
             <a:fld id="{64DCE64C-8487-40EE-8727-5E483AC79F68}" type="datetimeFigureOut">
               <a:rPr lang="ru-RU" smtClean="0"/>
-              <a:t>2015.01.16</a:t>
+              <a:t>2015.06.25</a:t>
             </a:fld>
             <a:endParaRPr lang="ru-RU"/>
           </a:p>
@@ -7818,7 +7819,7 @@
           <a:p>
             <a:fld id="{64DCE64C-8487-40EE-8727-5E483AC79F68}" type="datetimeFigureOut">
               <a:rPr lang="ru-RU" smtClean="0"/>
-              <a:t>2015.01.16</a:t>
+              <a:t>2015.06.25</a:t>
             </a:fld>
             <a:endParaRPr lang="ru-RU"/>
           </a:p>
@@ -8199,7 +8200,7 @@
           <a:p>
             <a:fld id="{64DCE64C-8487-40EE-8727-5E483AC79F68}" type="datetimeFigureOut">
               <a:rPr lang="ru-RU" smtClean="0"/>
-              <a:t>2015.01.16</a:t>
+              <a:t>2015.06.25</a:t>
             </a:fld>
             <a:endParaRPr lang="ru-RU"/>
           </a:p>
@@ -8317,7 +8318,7 @@
           <a:p>
             <a:fld id="{64DCE64C-8487-40EE-8727-5E483AC79F68}" type="datetimeFigureOut">
               <a:rPr lang="ru-RU" smtClean="0"/>
-              <a:t>2015.01.16</a:t>
+              <a:t>2015.06.25</a:t>
             </a:fld>
             <a:endParaRPr lang="ru-RU"/>
           </a:p>
@@ -8412,7 +8413,7 @@
           <a:p>
             <a:fld id="{64DCE64C-8487-40EE-8727-5E483AC79F68}" type="datetimeFigureOut">
               <a:rPr lang="ru-RU" smtClean="0"/>
-              <a:t>2015.01.16</a:t>
+              <a:t>2015.06.25</a:t>
             </a:fld>
             <a:endParaRPr lang="ru-RU"/>
           </a:p>
@@ -8661,7 +8662,7 @@
           <a:p>
             <a:fld id="{64DCE64C-8487-40EE-8727-5E483AC79F68}" type="datetimeFigureOut">
               <a:rPr lang="ru-RU" smtClean="0"/>
-              <a:t>2015.01.16</a:t>
+              <a:t>2015.06.25</a:t>
             </a:fld>
             <a:endParaRPr lang="ru-RU"/>
           </a:p>
@@ -8941,7 +8942,7 @@
           <a:p>
             <a:fld id="{64DCE64C-8487-40EE-8727-5E483AC79F68}" type="datetimeFigureOut">
               <a:rPr lang="ru-RU" smtClean="0"/>
-              <a:t>2015.01.16</a:t>
+              <a:t>2015.06.25</a:t>
             </a:fld>
             <a:endParaRPr lang="ru-RU"/>
           </a:p>
@@ -9057,7 +9058,7 @@
           <a:noFill/>
           <a:extLst>
             <a:ext uri="{909E8E84-426E-40dd-AFC4-6F175D3DCCD1}">
-              <a14:hiddenFill xmlns:a14="http://schemas.microsoft.com/office/drawing/2010/main" xmlns="">
+              <a14:hiddenFill xmlns="" xmlns:a14="http://schemas.microsoft.com/office/drawing/2010/main">
                 <a:solidFill>
                   <a:srgbClr val="FFFFFF"/>
                 </a:solidFill>
@@ -9131,7 +9132,7 @@
               </a:ln>
               <a:extLst>
                 <a:ext uri="{91240B29-F687-4f45-9708-019B960494DF}">
-                  <a14:hiddenLine xmlns:a14="http://schemas.microsoft.com/office/drawing/2010/main" xmlns="" w="9525">
+                  <a14:hiddenLine xmlns="" xmlns:a14="http://schemas.microsoft.com/office/drawing/2010/main" w="9525">
                     <a:solidFill>
                       <a:srgbClr val="000000"/>
                     </a:solidFill>
@@ -9221,7 +9222,7 @@
               </a:ln>
               <a:extLst>
                 <a:ext uri="{91240B29-F687-4f45-9708-019B960494DF}">
-                  <a14:hiddenLine xmlns:a14="http://schemas.microsoft.com/office/drawing/2010/main" xmlns="" w="9525">
+                  <a14:hiddenLine xmlns="" xmlns:a14="http://schemas.microsoft.com/office/drawing/2010/main" w="9525">
                     <a:solidFill>
                       <a:srgbClr val="000000"/>
                     </a:solidFill>
@@ -9311,7 +9312,7 @@
               </a:ln>
               <a:extLst>
                 <a:ext uri="{91240B29-F687-4f45-9708-019B960494DF}">
-                  <a14:hiddenLine xmlns:a14="http://schemas.microsoft.com/office/drawing/2010/main" xmlns="" w="9525">
+                  <a14:hiddenLine xmlns="" xmlns:a14="http://schemas.microsoft.com/office/drawing/2010/main" w="9525">
                     <a:solidFill>
                       <a:srgbClr val="000000"/>
                     </a:solidFill>
@@ -9373,7 +9374,7 @@
               </a:ln>
               <a:extLst>
                 <a:ext uri="{91240B29-F687-4f45-9708-019B960494DF}">
-                  <a14:hiddenLine xmlns:a14="http://schemas.microsoft.com/office/drawing/2010/main" xmlns="" w="9525">
+                  <a14:hiddenLine xmlns="" xmlns:a14="http://schemas.microsoft.com/office/drawing/2010/main" w="9525">
                     <a:solidFill>
                       <a:srgbClr val="000000"/>
                     </a:solidFill>
@@ -9463,7 +9464,7 @@
               </a:ln>
               <a:extLst>
                 <a:ext uri="{91240B29-F687-4f45-9708-019B960494DF}">
-                  <a14:hiddenLine xmlns:a14="http://schemas.microsoft.com/office/drawing/2010/main" xmlns="" w="9525">
+                  <a14:hiddenLine xmlns="" xmlns:a14="http://schemas.microsoft.com/office/drawing/2010/main" w="9525">
                     <a:solidFill>
                       <a:srgbClr val="000000"/>
                     </a:solidFill>
@@ -9525,7 +9526,7 @@
               </a:ln>
               <a:extLst>
                 <a:ext uri="{91240B29-F687-4f45-9708-019B960494DF}">
-                  <a14:hiddenLine xmlns:a14="http://schemas.microsoft.com/office/drawing/2010/main" xmlns="" w="9525">
+                  <a14:hiddenLine xmlns="" xmlns:a14="http://schemas.microsoft.com/office/drawing/2010/main" w="9525">
                     <a:solidFill>
                       <a:srgbClr val="000000"/>
                     </a:solidFill>
@@ -9587,7 +9588,7 @@
               </a:ln>
               <a:extLst>
                 <a:ext uri="{91240B29-F687-4f45-9708-019B960494DF}">
-                  <a14:hiddenLine xmlns:a14="http://schemas.microsoft.com/office/drawing/2010/main" xmlns="" w="9525">
+                  <a14:hiddenLine xmlns="" xmlns:a14="http://schemas.microsoft.com/office/drawing/2010/main" w="9525">
                     <a:solidFill>
                       <a:srgbClr val="000000"/>
                     </a:solidFill>
@@ -9677,7 +9678,7 @@
               </a:ln>
               <a:extLst>
                 <a:ext uri="{91240B29-F687-4f45-9708-019B960494DF}">
-                  <a14:hiddenLine xmlns:a14="http://schemas.microsoft.com/office/drawing/2010/main" xmlns="" w="9525">
+                  <a14:hiddenLine xmlns="" xmlns:a14="http://schemas.microsoft.com/office/drawing/2010/main" w="9525">
                     <a:solidFill>
                       <a:srgbClr val="000000"/>
                     </a:solidFill>
@@ -9767,7 +9768,7 @@
               </a:ln>
               <a:extLst>
                 <a:ext uri="{91240B29-F687-4f45-9708-019B960494DF}">
-                  <a14:hiddenLine xmlns:a14="http://schemas.microsoft.com/office/drawing/2010/main" xmlns="" w="9525">
+                  <a14:hiddenLine xmlns="" xmlns:a14="http://schemas.microsoft.com/office/drawing/2010/main" w="9525">
                     <a:solidFill>
                       <a:srgbClr val="000000"/>
                     </a:solidFill>
@@ -9829,7 +9830,7 @@
               </a:ln>
               <a:extLst>
                 <a:ext uri="{91240B29-F687-4f45-9708-019B960494DF}">
-                  <a14:hiddenLine xmlns:a14="http://schemas.microsoft.com/office/drawing/2010/main" xmlns="" w="9525">
+                  <a14:hiddenLine xmlns="" xmlns:a14="http://schemas.microsoft.com/office/drawing/2010/main" w="9525">
                     <a:solidFill>
                       <a:srgbClr val="000000"/>
                     </a:solidFill>
@@ -9939,7 +9940,7 @@
               </a:ln>
               <a:extLst>
                 <a:ext uri="{91240B29-F687-4f45-9708-019B960494DF}">
-                  <a14:hiddenLine xmlns:a14="http://schemas.microsoft.com/office/drawing/2010/main" xmlns="" w="9525">
+                  <a14:hiddenLine xmlns="" xmlns:a14="http://schemas.microsoft.com/office/drawing/2010/main" w="9525">
                     <a:solidFill>
                       <a:srgbClr val="000000"/>
                     </a:solidFill>
@@ -10023,7 +10024,7 @@
               </a:ln>
               <a:extLst>
                 <a:ext uri="{91240B29-F687-4f45-9708-019B960494DF}">
-                  <a14:hiddenLine xmlns:a14="http://schemas.microsoft.com/office/drawing/2010/main" xmlns="" w="9525">
+                  <a14:hiddenLine xmlns="" xmlns:a14="http://schemas.microsoft.com/office/drawing/2010/main" w="9525">
                     <a:solidFill>
                       <a:srgbClr val="000000"/>
                     </a:solidFill>
@@ -10085,7 +10086,7 @@
               </a:ln>
               <a:extLst>
                 <a:ext uri="{91240B29-F687-4f45-9708-019B960494DF}">
-                  <a14:hiddenLine xmlns:a14="http://schemas.microsoft.com/office/drawing/2010/main" xmlns="" w="9525">
+                  <a14:hiddenLine xmlns="" xmlns:a14="http://schemas.microsoft.com/office/drawing/2010/main" w="9525">
                     <a:solidFill>
                       <a:srgbClr val="000000"/>
                     </a:solidFill>
@@ -10147,7 +10148,7 @@
               </a:ln>
               <a:extLst>
                 <a:ext uri="{91240B29-F687-4f45-9708-019B960494DF}">
-                  <a14:hiddenLine xmlns:a14="http://schemas.microsoft.com/office/drawing/2010/main" xmlns="" w="9525">
+                  <a14:hiddenLine xmlns="" xmlns:a14="http://schemas.microsoft.com/office/drawing/2010/main" w="9525">
                     <a:solidFill>
                       <a:srgbClr val="000000"/>
                     </a:solidFill>
@@ -10237,7 +10238,7 @@
               </a:ln>
               <a:extLst>
                 <a:ext uri="{91240B29-F687-4f45-9708-019B960494DF}">
-                  <a14:hiddenLine xmlns:a14="http://schemas.microsoft.com/office/drawing/2010/main" xmlns="" w="9525">
+                  <a14:hiddenLine xmlns="" xmlns:a14="http://schemas.microsoft.com/office/drawing/2010/main" w="9525">
                     <a:solidFill>
                       <a:srgbClr val="000000"/>
                     </a:solidFill>
@@ -10271,7 +10272,7 @@
               </a:ln>
               <a:extLst>
                 <a:ext uri="{91240B29-F687-4f45-9708-019B960494DF}">
-                  <a14:hiddenLine xmlns:a14="http://schemas.microsoft.com/office/drawing/2010/main" xmlns="" w="9525">
+                  <a14:hiddenLine xmlns="" xmlns:a14="http://schemas.microsoft.com/office/drawing/2010/main" w="9525">
                     <a:solidFill>
                       <a:srgbClr val="000000"/>
                     </a:solidFill>
@@ -10336,7 +10337,7 @@
               </a:ln>
               <a:extLst>
                 <a:ext uri="{91240B29-F687-4f45-9708-019B960494DF}">
-                  <a14:hiddenLine xmlns:a14="http://schemas.microsoft.com/office/drawing/2010/main" xmlns="" w="9525">
+                  <a14:hiddenLine xmlns="" xmlns:a14="http://schemas.microsoft.com/office/drawing/2010/main" w="9525">
                     <a:solidFill>
                       <a:srgbClr val="000000"/>
                     </a:solidFill>
@@ -10426,7 +10427,7 @@
               </a:ln>
               <a:extLst>
                 <a:ext uri="{91240B29-F687-4f45-9708-019B960494DF}">
-                  <a14:hiddenLine xmlns:a14="http://schemas.microsoft.com/office/drawing/2010/main" xmlns="" w="9525">
+                  <a14:hiddenLine xmlns="" xmlns:a14="http://schemas.microsoft.com/office/drawing/2010/main" w="9525">
                     <a:solidFill>
                       <a:srgbClr val="000000"/>
                     </a:solidFill>
@@ -10488,7 +10489,7 @@
               </a:ln>
               <a:extLst>
                 <a:ext uri="{91240B29-F687-4f45-9708-019B960494DF}">
-                  <a14:hiddenLine xmlns:a14="http://schemas.microsoft.com/office/drawing/2010/main" xmlns="" w="9525">
+                  <a14:hiddenLine xmlns="" xmlns:a14="http://schemas.microsoft.com/office/drawing/2010/main" w="9525">
                     <a:solidFill>
                       <a:srgbClr val="000000"/>
                     </a:solidFill>
@@ -10578,7 +10579,7 @@
               </a:ln>
               <a:extLst>
                 <a:ext uri="{91240B29-F687-4f45-9708-019B960494DF}">
-                  <a14:hiddenLine xmlns:a14="http://schemas.microsoft.com/office/drawing/2010/main" xmlns="" w="9525">
+                  <a14:hiddenLine xmlns="" xmlns:a14="http://schemas.microsoft.com/office/drawing/2010/main" w="9525">
                     <a:solidFill>
                       <a:srgbClr val="000000"/>
                     </a:solidFill>
@@ -10643,7 +10644,7 @@
               </a:ln>
               <a:extLst>
                 <a:ext uri="{91240B29-F687-4f45-9708-019B960494DF}">
-                  <a14:hiddenLine xmlns:a14="http://schemas.microsoft.com/office/drawing/2010/main" xmlns="" w="9525">
+                  <a14:hiddenLine xmlns="" xmlns:a14="http://schemas.microsoft.com/office/drawing/2010/main" w="9525">
                     <a:solidFill>
                       <a:srgbClr val="000000"/>
                     </a:solidFill>
@@ -10705,7 +10706,7 @@
               </a:ln>
               <a:extLst>
                 <a:ext uri="{91240B29-F687-4f45-9708-019B960494DF}">
-                  <a14:hiddenLine xmlns:a14="http://schemas.microsoft.com/office/drawing/2010/main" xmlns="" w="9525">
+                  <a14:hiddenLine xmlns="" xmlns:a14="http://schemas.microsoft.com/office/drawing/2010/main" w="9525">
                     <a:solidFill>
                       <a:srgbClr val="000000"/>
                     </a:solidFill>
@@ -10795,7 +10796,7 @@
               </a:ln>
               <a:extLst>
                 <a:ext uri="{91240B29-F687-4f45-9708-019B960494DF}">
-                  <a14:hiddenLine xmlns:a14="http://schemas.microsoft.com/office/drawing/2010/main" xmlns="" w="9525">
+                  <a14:hiddenLine xmlns="" xmlns:a14="http://schemas.microsoft.com/office/drawing/2010/main" w="9525">
                     <a:solidFill>
                       <a:srgbClr val="000000"/>
                     </a:solidFill>
@@ -10885,7 +10886,7 @@
               </a:ln>
               <a:extLst>
                 <a:ext uri="{91240B29-F687-4f45-9708-019B960494DF}">
-                  <a14:hiddenLine xmlns:a14="http://schemas.microsoft.com/office/drawing/2010/main" xmlns="" w="9525">
+                  <a14:hiddenLine xmlns="" xmlns:a14="http://schemas.microsoft.com/office/drawing/2010/main" w="9525">
                     <a:solidFill>
                       <a:srgbClr val="000000"/>
                     </a:solidFill>
@@ -10950,7 +10951,7 @@
               </a:ln>
               <a:extLst>
                 <a:ext uri="{91240B29-F687-4f45-9708-019B960494DF}">
-                  <a14:hiddenLine xmlns:a14="http://schemas.microsoft.com/office/drawing/2010/main" xmlns="" w="9525">
+                  <a14:hiddenLine xmlns="" xmlns:a14="http://schemas.microsoft.com/office/drawing/2010/main" w="9525">
                     <a:solidFill>
                       <a:srgbClr val="000000"/>
                     </a:solidFill>
@@ -11070,7 +11071,7 @@
               </a:ln>
               <a:extLst>
                 <a:ext uri="{91240B29-F687-4f45-9708-019B960494DF}">
-                  <a14:hiddenLine xmlns:a14="http://schemas.microsoft.com/office/drawing/2010/main" xmlns="" w="9525">
+                  <a14:hiddenLine xmlns="" xmlns:a14="http://schemas.microsoft.com/office/drawing/2010/main" w="9525">
                     <a:solidFill>
                       <a:srgbClr val="000000"/>
                     </a:solidFill>
@@ -11168,7 +11169,7 @@
               </a:ln>
               <a:extLst>
                 <a:ext uri="{91240B29-F687-4f45-9708-019B960494DF}">
-                  <a14:hiddenLine xmlns:a14="http://schemas.microsoft.com/office/drawing/2010/main" xmlns="" w="9525">
+                  <a14:hiddenLine xmlns="" xmlns:a14="http://schemas.microsoft.com/office/drawing/2010/main" w="9525">
                     <a:solidFill>
                       <a:srgbClr val="000000"/>
                     </a:solidFill>
@@ -11283,7 +11284,7 @@
               </a:ln>
               <a:extLst>
                 <a:ext uri="{91240B29-F687-4f45-9708-019B960494DF}">
-                  <a14:hiddenLine xmlns:a14="http://schemas.microsoft.com/office/drawing/2010/main" xmlns="" w="9525">
+                  <a14:hiddenLine xmlns="" xmlns:a14="http://schemas.microsoft.com/office/drawing/2010/main" w="9525">
                     <a:solidFill>
                       <a:srgbClr val="000000"/>
                     </a:solidFill>
@@ -11373,7 +11374,7 @@
               </a:ln>
               <a:extLst>
                 <a:ext uri="{91240B29-F687-4f45-9708-019B960494DF}">
-                  <a14:hiddenLine xmlns:a14="http://schemas.microsoft.com/office/drawing/2010/main" xmlns="" w="9525">
+                  <a14:hiddenLine xmlns="" xmlns:a14="http://schemas.microsoft.com/office/drawing/2010/main" w="9525">
                     <a:solidFill>
                       <a:srgbClr val="000000"/>
                     </a:solidFill>
@@ -11438,7 +11439,7 @@
               </a:ln>
               <a:extLst>
                 <a:ext uri="{91240B29-F687-4f45-9708-019B960494DF}">
-                  <a14:hiddenLine xmlns:a14="http://schemas.microsoft.com/office/drawing/2010/main" xmlns="" w="9525">
+                  <a14:hiddenLine xmlns="" xmlns:a14="http://schemas.microsoft.com/office/drawing/2010/main" w="9525">
                     <a:solidFill>
                       <a:srgbClr val="000000"/>
                     </a:solidFill>
@@ -11528,7 +11529,7 @@
               </a:ln>
               <a:extLst>
                 <a:ext uri="{91240B29-F687-4f45-9708-019B960494DF}">
-                  <a14:hiddenLine xmlns:a14="http://schemas.microsoft.com/office/drawing/2010/main" xmlns="" w="9525">
+                  <a14:hiddenLine xmlns="" xmlns:a14="http://schemas.microsoft.com/office/drawing/2010/main" w="9525">
                     <a:solidFill>
                       <a:srgbClr val="000000"/>
                     </a:solidFill>
@@ -11596,7 +11597,7 @@
               </a:ln>
               <a:extLst>
                 <a:ext uri="{91240B29-F687-4f45-9708-019B960494DF}">
-                  <a14:hiddenLine xmlns:a14="http://schemas.microsoft.com/office/drawing/2010/main" xmlns="" w="9525">
+                  <a14:hiddenLine xmlns="" xmlns:a14="http://schemas.microsoft.com/office/drawing/2010/main" w="9525">
                     <a:solidFill>
                       <a:srgbClr val="000000"/>
                     </a:solidFill>
@@ -11686,7 +11687,7 @@
               </a:ln>
               <a:extLst>
                 <a:ext uri="{91240B29-F687-4f45-9708-019B960494DF}">
-                  <a14:hiddenLine xmlns:a14="http://schemas.microsoft.com/office/drawing/2010/main" xmlns="" w="9525">
+                  <a14:hiddenLine xmlns="" xmlns:a14="http://schemas.microsoft.com/office/drawing/2010/main" w="9525">
                     <a:solidFill>
                       <a:srgbClr val="000000"/>
                     </a:solidFill>
@@ -11754,7 +11755,7 @@
               </a:ln>
               <a:extLst>
                 <a:ext uri="{91240B29-F687-4f45-9708-019B960494DF}">
-                  <a14:hiddenLine xmlns:a14="http://schemas.microsoft.com/office/drawing/2010/main" xmlns="" w="9525">
+                  <a14:hiddenLine xmlns="" xmlns:a14="http://schemas.microsoft.com/office/drawing/2010/main" w="9525">
                     <a:solidFill>
                       <a:srgbClr val="000000"/>
                     </a:solidFill>
@@ -11844,7 +11845,7 @@
               </a:ln>
               <a:extLst>
                 <a:ext uri="{91240B29-F687-4f45-9708-019B960494DF}">
-                  <a14:hiddenLine xmlns:a14="http://schemas.microsoft.com/office/drawing/2010/main" xmlns="" w="9525">
+                  <a14:hiddenLine xmlns="" xmlns:a14="http://schemas.microsoft.com/office/drawing/2010/main" w="9525">
                     <a:solidFill>
                       <a:srgbClr val="000000"/>
                     </a:solidFill>
@@ -11878,7 +11879,7 @@
               </a:ln>
               <a:extLst>
                 <a:ext uri="{91240B29-F687-4f45-9708-019B960494DF}">
-                  <a14:hiddenLine xmlns:a14="http://schemas.microsoft.com/office/drawing/2010/main" xmlns="" w="9525">
+                  <a14:hiddenLine xmlns="" xmlns:a14="http://schemas.microsoft.com/office/drawing/2010/main" w="9525">
                     <a:solidFill>
                       <a:srgbClr val="000000"/>
                     </a:solidFill>
@@ -12018,7 +12019,7 @@
           <a:p>
             <a:fld id="{64DCE64C-8487-40EE-8727-5E483AC79F68}" type="datetimeFigureOut">
               <a:rPr lang="ru-RU" smtClean="0"/>
-              <a:t>2015.01.16</a:t>
+              <a:t>2015.06.25</a:t>
             </a:fld>
             <a:endParaRPr lang="ru-RU"/>
           </a:p>
@@ -12480,13 +12481,12 @@
               <a:rPr lang="en-US" dirty="0" smtClean="0"/>
               <a:t>v0.1</a:t>
             </a:r>
-            <a:endParaRPr lang="ru-RU" dirty="0"/>
           </a:p>
         </p:txBody>
       </p:sp>
       <p:pic>
         <p:nvPicPr>
-          <p:cNvPr id="6" name="Picture 5"/>
+          <p:cNvPr id="4" name="Picture 3"/>
           <p:cNvPicPr>
             <a:picLocks noChangeAspect="1"/>
           </p:cNvPicPr>
@@ -12506,46 +12506,58 @@
         </p:blipFill>
         <p:spPr>
           <a:xfrm>
-            <a:off x="4655106" y="830178"/>
-            <a:ext cx="6630737" cy="4973053"/>
+            <a:off x="4545085" y="481720"/>
+            <a:ext cx="6925998" cy="5173122"/>
           </a:xfrm>
-          <a:prstGeom prst="rect">
-            <a:avLst/>
+          <a:prstGeom prst="roundRect">
+            <a:avLst>
+              <a:gd name="adj" fmla="val 8594"/>
+            </a:avLst>
           </a:prstGeom>
           <a:solidFill>
             <a:srgbClr val="FFFFFF">
               <a:shade val="85000"/>
             </a:srgbClr>
           </a:solidFill>
-          <a:ln w="190500" cap="sq">
-            <a:solidFill>
-              <a:srgbClr val="FFFFFF"/>
-            </a:solidFill>
-            <a:miter lim="800000"/>
+          <a:ln>
+            <a:noFill/>
           </a:ln>
           <a:effectLst>
-            <a:outerShdw blurRad="65000" dist="50800" dir="12900000" kx="195000" ky="145000" algn="tl" rotWithShape="0">
-              <a:srgbClr val="000000">
-                <a:alpha val="30000"/>
-              </a:srgbClr>
-            </a:outerShdw>
+            <a:reflection blurRad="12700" stA="38000" endPos="28000" dist="5000" dir="5400000" sy="-100000" algn="bl" rotWithShape="0"/>
           </a:effectLst>
-          <a:scene3d>
-            <a:camera prst="orthographicFront">
-              <a:rot lat="0" lon="0" rev="360000"/>
-            </a:camera>
-            <a:lightRig rig="twoPt" dir="t">
-              <a:rot lat="0" lon="0" rev="7200000"/>
-            </a:lightRig>
-          </a:scene3d>
-          <a:sp3d contourW="12700">
-            <a:bevelT w="25400" h="19050"/>
-            <a:contourClr>
-              <a:srgbClr val="969696"/>
-            </a:contourClr>
-          </a:sp3d>
         </p:spPr>
       </p:pic>
+      <p:sp>
+        <p:nvSpPr>
+          <p:cNvPr id="5" name="Rectangle 4"/>
+          <p:cNvSpPr/>
+          <p:nvPr/>
+        </p:nvSpPr>
+        <p:spPr>
+          <a:xfrm>
+            <a:off x="7858109" y="6295485"/>
+            <a:ext cx="3701206" cy="369332"/>
+          </a:xfrm>
+          <a:prstGeom prst="rect">
+            <a:avLst/>
+          </a:prstGeom>
+        </p:spPr>
+        <p:txBody>
+          <a:bodyPr wrap="none">
+            <a:spAutoFit/>
+          </a:bodyPr>
+          <a:lstStyle/>
+          <a:p>
+            <a:r>
+              <a:rPr lang="ru-RU" dirty="0">
+                <a:hlinkClick r:id="rId3"/>
+              </a:rPr>
+              <a:t>https://github.com/makimenko/akibot</a:t>
+            </a:r>
+            <a:endParaRPr lang="ru-RU" dirty="0"/>
+          </a:p>
+        </p:txBody>
+      </p:sp>
     </p:spTree>
     <p:extLst>
       <p:ext uri="{BB962C8B-B14F-4D97-AF65-F5344CB8AC3E}">
@@ -12599,8 +12611,12 @@
           <a:lstStyle/>
           <a:p>
             <a:r>
+              <a:rPr lang="en-US" dirty="0" err="1" smtClean="0"/>
+              <a:t>Akibot</a:t>
+            </a:r>
+            <a:r>
               <a:rPr lang="en-US" dirty="0" smtClean="0"/>
-              <a:t>Electronics</a:t>
+              <a:t> Engine</a:t>
             </a:r>
             <a:endParaRPr lang="ru-RU" dirty="0"/>
           </a:p>
@@ -12608,7 +12624,7 @@
       </p:sp>
       <p:sp>
         <p:nvSpPr>
-          <p:cNvPr id="3" name="Content Placeholder 2"/>
+          <p:cNvPr id="4" name="Content Placeholder 3"/>
           <p:cNvSpPr>
             <a:spLocks noGrp="1"/>
           </p:cNvSpPr>
@@ -12623,46 +12639,50 @@
           <a:p>
             <a:r>
               <a:rPr lang="en-US" dirty="0" smtClean="0"/>
-              <a:t>Motor control</a:t>
+              <a:t>Distributed Components</a:t>
             </a:r>
           </a:p>
           <a:p>
             <a:r>
               <a:rPr lang="en-US" dirty="0"/>
-              <a:t>Sensor </a:t>
+              <a:t>Peer to Peer (without the use of a centralized </a:t>
             </a:r>
             <a:r>
               <a:rPr lang="en-US" dirty="0" smtClean="0"/>
-              <a:t>reading</a:t>
+              <a:t>server)</a:t>
             </a:r>
+            <a:endParaRPr lang="en-US" dirty="0"/>
           </a:p>
           <a:p>
             <a:r>
               <a:rPr lang="en-US" dirty="0" smtClean="0"/>
-              <a:t>Communication</a:t>
+              <a:t>Messaging via UDP (Datagram Packets)</a:t>
             </a:r>
           </a:p>
           <a:p>
             <a:r>
               <a:rPr lang="en-US" dirty="0" smtClean="0"/>
-              <a:t>Controller</a:t>
+              <a:t>Java</a:t>
             </a:r>
-          </a:p>
-          <a:p>
             <a:r>
               <a:rPr lang="en-US" dirty="0"/>
-              <a:t>Power </a:t>
+              <a:t>, C++, JNI, </a:t>
+            </a:r>
+            <a:r>
+              <a:rPr lang="en-US" dirty="0" err="1" smtClean="0"/>
+              <a:t>WiringPi</a:t>
+            </a:r>
+            <a:r>
+              <a:rPr lang="en-US" dirty="0"/>
+              <a:t>, </a:t>
             </a:r>
             <a:r>
               <a:rPr lang="en-US" dirty="0" smtClean="0"/>
-              <a:t>management</a:t>
+              <a:t>Pi4J, JME3</a:t>
             </a:r>
-          </a:p>
-          <a:p>
-            <a:r>
-              <a:rPr lang="en-US" dirty="0"/>
-              <a:t>Glue logic</a:t>
-            </a:r>
+            <a:endParaRPr lang="en-US" dirty="0"/>
+          </a:p>
+          <a:p>
             <a:endParaRPr lang="en-US" dirty="0" smtClean="0"/>
           </a:p>
           <a:p>
@@ -12724,82 +12744,48 @@
           <a:p>
             <a:r>
               <a:rPr lang="en-US" dirty="0" smtClean="0"/>
-              <a:t>Components</a:t>
+              <a:t>AKIBOT Actors</a:t>
             </a:r>
             <a:endParaRPr lang="ru-RU" dirty="0"/>
           </a:p>
         </p:txBody>
       </p:sp>
-      <p:sp>
-        <p:nvSpPr>
-          <p:cNvPr id="3" name="Content Placeholder 2"/>
-          <p:cNvSpPr>
-            <a:spLocks noGrp="1"/>
-          </p:cNvSpPr>
+      <p:pic>
+        <p:nvPicPr>
+          <p:cNvPr id="5" name="Content Placeholder 4"/>
+          <p:cNvPicPr>
+            <a:picLocks noGrp="1" noChangeAspect="1"/>
+          </p:cNvPicPr>
           <p:nvPr>
             <p:ph idx="1"/>
           </p:nvPr>
-        </p:nvSpPr>
-        <p:spPr/>
-        <p:txBody>
-          <a:bodyPr>
-            <a:normAutofit fontScale="85000" lnSpcReduction="20000"/>
-          </a:bodyPr>
-          <a:lstStyle/>
-          <a:p>
-            <a:r>
-              <a:rPr lang="en-US" dirty="0" err="1" smtClean="0"/>
-              <a:t>AwtController</a:t>
-            </a:r>
-            <a:endParaRPr lang="en-US" dirty="0" smtClean="0"/>
-          </a:p>
-          <a:p>
-            <a:r>
-              <a:rPr lang="en-US" dirty="0" smtClean="0"/>
-              <a:t>Distance</a:t>
-            </a:r>
-          </a:p>
-          <a:p>
-            <a:r>
-              <a:rPr lang="en-US" dirty="0" smtClean="0"/>
-              <a:t>Gyroscope</a:t>
-            </a:r>
-          </a:p>
-          <a:p>
-            <a:r>
-              <a:rPr lang="en-US" dirty="0" err="1" smtClean="0"/>
-              <a:t>GyroscopeCalibration</a:t>
-            </a:r>
-            <a:endParaRPr lang="en-US" dirty="0" smtClean="0"/>
-          </a:p>
-          <a:p>
-            <a:r>
-              <a:rPr lang="en-US" dirty="0" smtClean="0"/>
-              <a:t>Orientation</a:t>
-            </a:r>
-          </a:p>
-          <a:p>
-            <a:r>
-              <a:rPr lang="en-US" dirty="0" smtClean="0"/>
-              <a:t>Positioning</a:t>
-            </a:r>
-          </a:p>
-          <a:p>
-            <a:r>
-              <a:rPr lang="en-US" dirty="0" err="1" smtClean="0"/>
-              <a:t>SpeechSynthesis</a:t>
-            </a:r>
-            <a:endParaRPr lang="en-US" dirty="0" smtClean="0"/>
-          </a:p>
-          <a:p>
-            <a:r>
-              <a:rPr lang="en-US" dirty="0" err="1" smtClean="0"/>
-              <a:t>TankTrack</a:t>
-            </a:r>
-            <a:endParaRPr lang="ru-RU" dirty="0"/>
-          </a:p>
-        </p:txBody>
-      </p:sp>
+        </p:nvPicPr>
+        <p:blipFill>
+          <a:blip r:embed="rId2"/>
+          <a:stretch>
+            <a:fillRect/>
+          </a:stretch>
+        </p:blipFill>
+        <p:spPr>
+          <a:xfrm>
+            <a:off x="469867" y="1840413"/>
+            <a:ext cx="11249089" cy="4568408"/>
+          </a:xfrm>
+          <a:prstGeom prst="rect">
+            <a:avLst/>
+          </a:prstGeom>
+          <a:ln>
+            <a:noFill/>
+          </a:ln>
+          <a:effectLst>
+            <a:outerShdw blurRad="292100" dist="139700" dir="2700000" algn="tl" rotWithShape="0">
+              <a:srgbClr val="333333">
+                <a:alpha val="65000"/>
+              </a:srgbClr>
+            </a:outerShdw>
+          </a:effectLst>
+        </p:spPr>
+      </p:pic>
     </p:spTree>
     <p:extLst>
       <p:ext uri="{BB962C8B-B14F-4D97-AF65-F5344CB8AC3E}">
@@ -12817,6 +12803,227 @@
       </p:par>
     </p:tnLst>
   </p:timing>
+</p:sld>
+</file>
+
+<file path=ppt/slides/slide4.xml><?xml version="1.0" encoding="utf-8"?>
+<p:sld xmlns:a="http://schemas.openxmlformats.org/drawingml/2006/main" xmlns:r="http://schemas.openxmlformats.org/officeDocument/2006/relationships" xmlns:p="http://schemas.openxmlformats.org/presentationml/2006/main">
+  <p:cSld>
+    <p:spTree>
+      <p:nvGrpSpPr>
+        <p:cNvPr id="1" name=""/>
+        <p:cNvGrpSpPr/>
+        <p:nvPr/>
+      </p:nvGrpSpPr>
+      <p:grpSpPr>
+        <a:xfrm>
+          <a:off x="0" y="0"/>
+          <a:ext cx="0" cy="0"/>
+          <a:chOff x="0" y="0"/>
+          <a:chExt cx="0" cy="0"/>
+        </a:xfrm>
+      </p:grpSpPr>
+      <p:sp>
+        <p:nvSpPr>
+          <p:cNvPr id="2" name="Title 1"/>
+          <p:cNvSpPr>
+            <a:spLocks noGrp="1"/>
+          </p:cNvSpPr>
+          <p:nvPr>
+            <p:ph type="title"/>
+          </p:nvPr>
+        </p:nvSpPr>
+        <p:spPr/>
+        <p:txBody>
+          <a:bodyPr/>
+          <a:lstStyle/>
+          <a:p>
+            <a:r>
+              <a:rPr lang="en-US" dirty="0" smtClean="0"/>
+              <a:t>Sample Tests</a:t>
+            </a:r>
+            <a:endParaRPr lang="ru-RU" dirty="0"/>
+          </a:p>
+        </p:txBody>
+      </p:sp>
+      <p:pic>
+        <p:nvPicPr>
+          <p:cNvPr id="4" name="Content Placeholder 3"/>
+          <p:cNvPicPr>
+            <a:picLocks noGrp="1" noChangeAspect="1"/>
+          </p:cNvPicPr>
+          <p:nvPr>
+            <p:ph idx="1"/>
+          </p:nvPr>
+        </p:nvPicPr>
+        <p:blipFill>
+          <a:blip r:embed="rId2"/>
+          <a:stretch>
+            <a:fillRect/>
+          </a:stretch>
+        </p:blipFill>
+        <p:spPr>
+          <a:xfrm>
+            <a:off x="1085265" y="3351578"/>
+            <a:ext cx="6677025" cy="1800225"/>
+          </a:xfrm>
+          <a:prstGeom prst="rect">
+            <a:avLst/>
+          </a:prstGeom>
+        </p:spPr>
+      </p:pic>
+      <p:pic>
+        <p:nvPicPr>
+          <p:cNvPr id="5" name="Picture 4"/>
+          <p:cNvPicPr>
+            <a:picLocks noChangeAspect="1"/>
+          </p:cNvPicPr>
+          <p:nvPr/>
+        </p:nvPicPr>
+        <p:blipFill>
+          <a:blip r:embed="rId3"/>
+          <a:stretch>
+            <a:fillRect/>
+          </a:stretch>
+        </p:blipFill>
+        <p:spPr>
+          <a:xfrm>
+            <a:off x="1085265" y="5594934"/>
+            <a:ext cx="10601325" cy="962025"/>
+          </a:xfrm>
+          <a:prstGeom prst="rect">
+            <a:avLst/>
+          </a:prstGeom>
+        </p:spPr>
+      </p:pic>
+      <p:pic>
+        <p:nvPicPr>
+          <p:cNvPr id="6" name="Picture 5"/>
+          <p:cNvPicPr>
+            <a:picLocks noChangeAspect="1"/>
+          </p:cNvPicPr>
+          <p:nvPr/>
+        </p:nvPicPr>
+        <p:blipFill>
+          <a:blip r:embed="rId4"/>
+          <a:stretch>
+            <a:fillRect/>
+          </a:stretch>
+        </p:blipFill>
+        <p:spPr>
+          <a:xfrm>
+            <a:off x="1085265" y="2264259"/>
+            <a:ext cx="10553700" cy="800100"/>
+          </a:xfrm>
+          <a:prstGeom prst="rect">
+            <a:avLst/>
+          </a:prstGeom>
+        </p:spPr>
+      </p:pic>
+      <p:sp>
+        <p:nvSpPr>
+          <p:cNvPr id="7" name="TextBox 6"/>
+          <p:cNvSpPr txBox="1"/>
+          <p:nvPr/>
+        </p:nvSpPr>
+        <p:spPr>
+          <a:xfrm>
+            <a:off x="994611" y="1912422"/>
+            <a:ext cx="2197768" cy="369332"/>
+          </a:xfrm>
+          <a:prstGeom prst="rect">
+            <a:avLst/>
+          </a:prstGeom>
+          <a:noFill/>
+        </p:spPr>
+        <p:txBody>
+          <a:bodyPr wrap="square" rtlCol="0">
+            <a:spAutoFit/>
+          </a:bodyPr>
+          <a:lstStyle/>
+          <a:p>
+            <a:r>
+              <a:rPr lang="en-US" dirty="0" smtClean="0"/>
+              <a:t>Register Component</a:t>
+            </a:r>
+            <a:endParaRPr lang="ru-RU" dirty="0"/>
+          </a:p>
+        </p:txBody>
+      </p:sp>
+      <p:sp>
+        <p:nvSpPr>
+          <p:cNvPr id="8" name="TextBox 7"/>
+          <p:cNvSpPr txBox="1"/>
+          <p:nvPr/>
+        </p:nvSpPr>
+        <p:spPr>
+          <a:xfrm>
+            <a:off x="1085265" y="3064359"/>
+            <a:ext cx="2197768" cy="369332"/>
+          </a:xfrm>
+          <a:prstGeom prst="rect">
+            <a:avLst/>
+          </a:prstGeom>
+          <a:noFill/>
+        </p:spPr>
+        <p:txBody>
+          <a:bodyPr wrap="square" rtlCol="0">
+            <a:spAutoFit/>
+          </a:bodyPr>
+          <a:lstStyle/>
+          <a:p>
+            <a:r>
+              <a:rPr lang="en-US" dirty="0" err="1" smtClean="0"/>
+              <a:t>Async</a:t>
+            </a:r>
+            <a:r>
+              <a:rPr lang="en-US" dirty="0" smtClean="0"/>
+              <a:t> Request</a:t>
+            </a:r>
+            <a:endParaRPr lang="ru-RU" dirty="0"/>
+          </a:p>
+        </p:txBody>
+      </p:sp>
+      <p:sp>
+        <p:nvSpPr>
+          <p:cNvPr id="9" name="TextBox 8"/>
+          <p:cNvSpPr txBox="1"/>
+          <p:nvPr/>
+        </p:nvSpPr>
+        <p:spPr>
+          <a:xfrm>
+            <a:off x="1085265" y="5254356"/>
+            <a:ext cx="2197768" cy="369332"/>
+          </a:xfrm>
+          <a:prstGeom prst="rect">
+            <a:avLst/>
+          </a:prstGeom>
+          <a:noFill/>
+        </p:spPr>
+        <p:txBody>
+          <a:bodyPr wrap="square" rtlCol="0">
+            <a:spAutoFit/>
+          </a:bodyPr>
+          <a:lstStyle/>
+          <a:p>
+            <a:r>
+              <a:rPr lang="en-US" dirty="0" smtClean="0"/>
+              <a:t>Sync Request</a:t>
+            </a:r>
+            <a:endParaRPr lang="ru-RU" dirty="0"/>
+          </a:p>
+        </p:txBody>
+      </p:sp>
+    </p:spTree>
+    <p:extLst>
+      <p:ext uri="{BB962C8B-B14F-4D97-AF65-F5344CB8AC3E}">
+        <p14:creationId xmlns:p14="http://schemas.microsoft.com/office/powerpoint/2010/main" val="2773609574"/>
+      </p:ext>
+    </p:extLst>
+  </p:cSld>
+  <p:clrMapOvr>
+    <a:masterClrMapping/>
+  </p:clrMapOvr>
 </p:sld>
 </file>
 

--- a/AkiBot.pptx
+++ b/AkiBot.pptx
@@ -10,7 +10,7 @@
     <p:sldId id="258" r:id="rId4"/>
     <p:sldId id="259" r:id="rId5"/>
   </p:sldIdLst>
-  <p:sldSz cx="12192000" cy="6858000"/>
+  <p:sldSz cx="9906000" cy="6858000" type="A4"/>
   <p:notesSz cx="6858000" cy="9144000"/>
   <p:defaultTextStyle>
     <a:defPPr>
@@ -109,7 +109,7 @@
   </p:defaultTextStyle>
   <p:extLst>
     <p:ext uri="{EFAFB233-063F-42B5-8137-9DF3F51BA10A}">
-      <p15:sldGuideLst xmlns:p15="http://schemas.microsoft.com/office/powerpoint/2012/main"/>
+      <p15:sldGuideLst xmlns:p15="http://schemas.microsoft.com/office/powerpoint/2012/main" xmlns=""/>
     </p:ext>
   </p:extLst>
 </p:presentation>
@@ -141,11 +141,11 @@
           <p:nvPr/>
         </p:nvPicPr>
         <p:blipFill>
-          <a:blip r:embed="rId2">
+          <a:blip r:embed="rId2" cstate="print">
             <a:alphaModFix amt="30000"/>
             <a:extLst>
               <a:ext uri="{28A0092B-C50C-407E-A947-70E740481C1C}">
-                <a14:useLocalDpi xmlns:a14="http://schemas.microsoft.com/office/drawing/2010/main" val="0"/>
+                <a14:useLocalDpi xmlns:a14="http://schemas.microsoft.com/office/drawing/2010/main" xmlns="" val="0"/>
               </a:ext>
             </a:extLst>
           </a:blip>
@@ -156,8 +156,8 @@
         </p:blipFill>
         <p:spPr bwMode="auto">
           <a:xfrm>
-            <a:off x="0" y="-1"/>
-            <a:ext cx="12192003" cy="6858001"/>
+            <a:off x="1" y="-1"/>
+            <a:ext cx="9906002" cy="6858001"/>
           </a:xfrm>
           <a:prstGeom prst="rect">
             <a:avLst/>
@@ -165,7 +165,7 @@
           <a:noFill/>
           <a:extLst>
             <a:ext uri="{909E8E84-426E-40dd-AFC4-6F175D3DCCD1}">
-              <a14:hiddenFill xmlns="" xmlns:a14="http://schemas.microsoft.com/office/drawing/2010/main">
+              <a14:hiddenFill xmlns:a14="http://schemas.microsoft.com/office/drawing/2010/main" xmlns="">
                 <a:solidFill>
                   <a:srgbClr val="FFFFFF"/>
                 </a:solidFill>
@@ -182,8 +182,8 @@
         </p:nvGrpSpPr>
         <p:grpSpPr>
           <a:xfrm>
-            <a:off x="0" y="0"/>
-            <a:ext cx="2305051" cy="6858001"/>
+            <a:off x="0" y="1"/>
+            <a:ext cx="1872854" cy="6858001"/>
             <a:chOff x="0" y="0"/>
             <a:chExt cx="2305051" cy="6858001"/>
           </a:xfrm>
@@ -225,7 +225,7 @@
             </a:ln>
             <a:extLst>
               <a:ext uri="{91240B29-F687-4f45-9708-019B960494DF}">
-                <a14:hiddenLine xmlns="" xmlns:a14="http://schemas.microsoft.com/office/drawing/2010/main" w="9525">
+                <a14:hiddenLine xmlns:a14="http://schemas.microsoft.com/office/drawing/2010/main" xmlns="" w="9525">
                   <a:solidFill>
                     <a:srgbClr val="000000"/>
                   </a:solidFill>
@@ -315,7 +315,7 @@
             </a:ln>
             <a:extLst>
               <a:ext uri="{91240B29-F687-4f45-9708-019B960494DF}">
-                <a14:hiddenLine xmlns="" xmlns:a14="http://schemas.microsoft.com/office/drawing/2010/main" w="9525">
+                <a14:hiddenLine xmlns:a14="http://schemas.microsoft.com/office/drawing/2010/main" xmlns="" w="9525">
                   <a:solidFill>
                     <a:srgbClr val="000000"/>
                   </a:solidFill>
@@ -405,7 +405,7 @@
             </a:ln>
             <a:extLst>
               <a:ext uri="{91240B29-F687-4f45-9708-019B960494DF}">
-                <a14:hiddenLine xmlns="" xmlns:a14="http://schemas.microsoft.com/office/drawing/2010/main" w="9525">
+                <a14:hiddenLine xmlns:a14="http://schemas.microsoft.com/office/drawing/2010/main" xmlns="" w="9525">
                   <a:solidFill>
                     <a:srgbClr val="000000"/>
                   </a:solidFill>
@@ -439,7 +439,7 @@
             </a:ln>
             <a:extLst>
               <a:ext uri="{91240B29-F687-4f45-9708-019B960494DF}">
-                <a14:hiddenLine xmlns="" xmlns:a14="http://schemas.microsoft.com/office/drawing/2010/main" w="9525">
+                <a14:hiddenLine xmlns:a14="http://schemas.microsoft.com/office/drawing/2010/main" xmlns="" w="9525">
                   <a:solidFill>
                     <a:srgbClr val="000000"/>
                   </a:solidFill>
@@ -529,7 +529,7 @@
             </a:ln>
             <a:extLst>
               <a:ext uri="{91240B29-F687-4f45-9708-019B960494DF}">
-                <a14:hiddenLine xmlns="" xmlns:a14="http://schemas.microsoft.com/office/drawing/2010/main" w="9525">
+                <a14:hiddenLine xmlns:a14="http://schemas.microsoft.com/office/drawing/2010/main" xmlns="" w="9525">
                   <a:solidFill>
                     <a:srgbClr val="000000"/>
                   </a:solidFill>
@@ -591,7 +591,7 @@
             </a:ln>
             <a:extLst>
               <a:ext uri="{91240B29-F687-4f45-9708-019B960494DF}">
-                <a14:hiddenLine xmlns="" xmlns:a14="http://schemas.microsoft.com/office/drawing/2010/main" w="9525">
+                <a14:hiddenLine xmlns:a14="http://schemas.microsoft.com/office/drawing/2010/main" xmlns="" w="9525">
                   <a:solidFill>
                     <a:srgbClr val="000000"/>
                   </a:solidFill>
@@ -653,7 +653,7 @@
             </a:ln>
             <a:extLst>
               <a:ext uri="{91240B29-F687-4f45-9708-019B960494DF}">
-                <a14:hiddenLine xmlns="" xmlns:a14="http://schemas.microsoft.com/office/drawing/2010/main" w="9525">
+                <a14:hiddenLine xmlns:a14="http://schemas.microsoft.com/office/drawing/2010/main" xmlns="" w="9525">
                   <a:solidFill>
                     <a:srgbClr val="000000"/>
                   </a:solidFill>
@@ -743,7 +743,7 @@
             </a:ln>
             <a:extLst>
               <a:ext uri="{91240B29-F687-4f45-9708-019B960494DF}">
-                <a14:hiddenLine xmlns="" xmlns:a14="http://schemas.microsoft.com/office/drawing/2010/main" w="9525">
+                <a14:hiddenLine xmlns:a14="http://schemas.microsoft.com/office/drawing/2010/main" xmlns="" w="9525">
                   <a:solidFill>
                     <a:srgbClr val="000000"/>
                   </a:solidFill>
@@ -805,7 +805,7 @@
             </a:ln>
             <a:extLst>
               <a:ext uri="{91240B29-F687-4f45-9708-019B960494DF}">
-                <a14:hiddenLine xmlns="" xmlns:a14="http://schemas.microsoft.com/office/drawing/2010/main" w="9525">
+                <a14:hiddenLine xmlns:a14="http://schemas.microsoft.com/office/drawing/2010/main" xmlns="" w="9525">
                   <a:solidFill>
                     <a:srgbClr val="000000"/>
                   </a:solidFill>
@@ -867,7 +867,7 @@
             </a:ln>
             <a:extLst>
               <a:ext uri="{91240B29-F687-4f45-9708-019B960494DF}">
-                <a14:hiddenLine xmlns="" xmlns:a14="http://schemas.microsoft.com/office/drawing/2010/main" w="9525">
+                <a14:hiddenLine xmlns:a14="http://schemas.microsoft.com/office/drawing/2010/main" xmlns="" w="9525">
                   <a:solidFill>
                     <a:srgbClr val="000000"/>
                   </a:solidFill>
@@ -957,7 +957,7 @@
             </a:ln>
             <a:extLst>
               <a:ext uri="{91240B29-F687-4f45-9708-019B960494DF}">
-                <a14:hiddenLine xmlns="" xmlns:a14="http://schemas.microsoft.com/office/drawing/2010/main" w="9525">
+                <a14:hiddenLine xmlns:a14="http://schemas.microsoft.com/office/drawing/2010/main" xmlns="" w="9525">
                   <a:solidFill>
                     <a:srgbClr val="000000"/>
                   </a:solidFill>
@@ -1047,7 +1047,7 @@
             </a:ln>
             <a:extLst>
               <a:ext uri="{91240B29-F687-4f45-9708-019B960494DF}">
-                <a14:hiddenLine xmlns="" xmlns:a14="http://schemas.microsoft.com/office/drawing/2010/main" w="9525">
+                <a14:hiddenLine xmlns:a14="http://schemas.microsoft.com/office/drawing/2010/main" xmlns="" w="9525">
                   <a:solidFill>
                     <a:srgbClr val="000000"/>
                   </a:solidFill>
@@ -1109,7 +1109,7 @@
             </a:ln>
             <a:extLst>
               <a:ext uri="{91240B29-F687-4f45-9708-019B960494DF}">
-                <a14:hiddenLine xmlns="" xmlns:a14="http://schemas.microsoft.com/office/drawing/2010/main" w="9525">
+                <a14:hiddenLine xmlns:a14="http://schemas.microsoft.com/office/drawing/2010/main" xmlns="" w="9525">
                   <a:solidFill>
                     <a:srgbClr val="000000"/>
                   </a:solidFill>
@@ -1219,7 +1219,7 @@
             </a:ln>
             <a:extLst>
               <a:ext uri="{91240B29-F687-4f45-9708-019B960494DF}">
-                <a14:hiddenLine xmlns="" xmlns:a14="http://schemas.microsoft.com/office/drawing/2010/main" w="9525">
+                <a14:hiddenLine xmlns:a14="http://schemas.microsoft.com/office/drawing/2010/main" xmlns="" w="9525">
                   <a:solidFill>
                     <a:srgbClr val="000000"/>
                   </a:solidFill>
@@ -1281,7 +1281,7 @@
             </a:ln>
             <a:extLst>
               <a:ext uri="{91240B29-F687-4f45-9708-019B960494DF}">
-                <a14:hiddenLine xmlns="" xmlns:a14="http://schemas.microsoft.com/office/drawing/2010/main" w="9525">
+                <a14:hiddenLine xmlns:a14="http://schemas.microsoft.com/office/drawing/2010/main" xmlns="" w="9525">
                   <a:solidFill>
                     <a:srgbClr val="000000"/>
                   </a:solidFill>
@@ -1371,7 +1371,7 @@
             </a:ln>
             <a:extLst>
               <a:ext uri="{91240B29-F687-4f45-9708-019B960494DF}">
-                <a14:hiddenLine xmlns="" xmlns:a14="http://schemas.microsoft.com/office/drawing/2010/main" w="9525">
+                <a14:hiddenLine xmlns:a14="http://schemas.microsoft.com/office/drawing/2010/main" xmlns="" w="9525">
                   <a:solidFill>
                     <a:srgbClr val="000000"/>
                   </a:solidFill>
@@ -1461,7 +1461,7 @@
             </a:ln>
             <a:extLst>
               <a:ext uri="{91240B29-F687-4f45-9708-019B960494DF}">
-                <a14:hiddenLine xmlns="" xmlns:a14="http://schemas.microsoft.com/office/drawing/2010/main" w="9525">
+                <a14:hiddenLine xmlns:a14="http://schemas.microsoft.com/office/drawing/2010/main" xmlns="" w="9525">
                   <a:solidFill>
                     <a:srgbClr val="000000"/>
                   </a:solidFill>
@@ -1523,7 +1523,7 @@
             </a:ln>
             <a:extLst>
               <a:ext uri="{91240B29-F687-4f45-9708-019B960494DF}">
-                <a14:hiddenLine xmlns="" xmlns:a14="http://schemas.microsoft.com/office/drawing/2010/main" w="9525">
+                <a14:hiddenLine xmlns:a14="http://schemas.microsoft.com/office/drawing/2010/main" xmlns="" w="9525">
                   <a:solidFill>
                     <a:srgbClr val="000000"/>
                   </a:solidFill>
@@ -1613,7 +1613,7 @@
             </a:ln>
             <a:extLst>
               <a:ext uri="{91240B29-F687-4f45-9708-019B960494DF}">
-                <a14:hiddenLine xmlns="" xmlns:a14="http://schemas.microsoft.com/office/drawing/2010/main" w="9525">
+                <a14:hiddenLine xmlns:a14="http://schemas.microsoft.com/office/drawing/2010/main" xmlns="" w="9525">
                   <a:solidFill>
                     <a:srgbClr val="000000"/>
                   </a:solidFill>
@@ -1703,7 +1703,7 @@
             </a:ln>
             <a:extLst>
               <a:ext uri="{91240B29-F687-4f45-9708-019B960494DF}">
-                <a14:hiddenLine xmlns="" xmlns:a14="http://schemas.microsoft.com/office/drawing/2010/main" w="9525">
+                <a14:hiddenLine xmlns:a14="http://schemas.microsoft.com/office/drawing/2010/main" xmlns="" w="9525">
                   <a:solidFill>
                     <a:srgbClr val="000000"/>
                   </a:solidFill>
@@ -1759,7 +1759,7 @@
             </a:ln>
             <a:extLst>
               <a:ext uri="{91240B29-F687-4f45-9708-019B960494DF}">
-                <a14:hiddenLine xmlns="" xmlns:a14="http://schemas.microsoft.com/office/drawing/2010/main" w="9525">
+                <a14:hiddenLine xmlns:a14="http://schemas.microsoft.com/office/drawing/2010/main" xmlns="" w="9525">
                   <a:solidFill>
                     <a:srgbClr val="000000"/>
                   </a:solidFill>
@@ -1849,7 +1849,7 @@
             </a:ln>
             <a:extLst>
               <a:ext uri="{91240B29-F687-4f45-9708-019B960494DF}">
-                <a14:hiddenLine xmlns="" xmlns:a14="http://schemas.microsoft.com/office/drawing/2010/main" w="9525">
+                <a14:hiddenLine xmlns:a14="http://schemas.microsoft.com/office/drawing/2010/main" xmlns="" w="9525">
                   <a:solidFill>
                     <a:srgbClr val="000000"/>
                   </a:solidFill>
@@ -1905,7 +1905,7 @@
             </a:ln>
             <a:extLst>
               <a:ext uri="{91240B29-F687-4f45-9708-019B960494DF}">
-                <a14:hiddenLine xmlns="" xmlns:a14="http://schemas.microsoft.com/office/drawing/2010/main" w="9525">
+                <a14:hiddenLine xmlns:a14="http://schemas.microsoft.com/office/drawing/2010/main" xmlns="" w="9525">
                   <a:solidFill>
                     <a:srgbClr val="000000"/>
                   </a:solidFill>
@@ -1995,7 +1995,7 @@
             </a:ln>
             <a:extLst>
               <a:ext uri="{91240B29-F687-4f45-9708-019B960494DF}">
-                <a14:hiddenLine xmlns="" xmlns:a14="http://schemas.microsoft.com/office/drawing/2010/main" w="9525">
+                <a14:hiddenLine xmlns:a14="http://schemas.microsoft.com/office/drawing/2010/main" xmlns="" w="9525">
                   <a:solidFill>
                     <a:srgbClr val="000000"/>
                   </a:solidFill>
@@ -2063,7 +2063,7 @@
             </a:ln>
             <a:extLst>
               <a:ext uri="{91240B29-F687-4f45-9708-019B960494DF}">
-                <a14:hiddenLine xmlns="" xmlns:a14="http://schemas.microsoft.com/office/drawing/2010/main" w="9525">
+                <a14:hiddenLine xmlns:a14="http://schemas.microsoft.com/office/drawing/2010/main" xmlns="" w="9525">
                   <a:solidFill>
                     <a:srgbClr val="000000"/>
                   </a:solidFill>
@@ -2153,7 +2153,7 @@
             </a:ln>
             <a:extLst>
               <a:ext uri="{91240B29-F687-4f45-9708-019B960494DF}">
-                <a14:hiddenLine xmlns="" xmlns:a14="http://schemas.microsoft.com/office/drawing/2010/main" w="9525">
+                <a14:hiddenLine xmlns:a14="http://schemas.microsoft.com/office/drawing/2010/main" xmlns="" w="9525">
                   <a:solidFill>
                     <a:srgbClr val="000000"/>
                   </a:solidFill>
@@ -2221,7 +2221,7 @@
             </a:ln>
             <a:extLst>
               <a:ext uri="{91240B29-F687-4f45-9708-019B960494DF}">
-                <a14:hiddenLine xmlns="" xmlns:a14="http://schemas.microsoft.com/office/drawing/2010/main" w="9525">
+                <a14:hiddenLine xmlns:a14="http://schemas.microsoft.com/office/drawing/2010/main" xmlns="" w="9525">
                   <a:solidFill>
                     <a:srgbClr val="000000"/>
                   </a:solidFill>
@@ -2311,7 +2311,7 @@
             </a:ln>
             <a:extLst>
               <a:ext uri="{91240B29-F687-4f45-9708-019B960494DF}">
-                <a14:hiddenLine xmlns="" xmlns:a14="http://schemas.microsoft.com/office/drawing/2010/main" w="9525">
+                <a14:hiddenLine xmlns:a14="http://schemas.microsoft.com/office/drawing/2010/main" xmlns="" w="9525">
                   <a:solidFill>
                     <a:srgbClr val="000000"/>
                   </a:solidFill>
@@ -2345,7 +2345,7 @@
             </a:ln>
             <a:extLst>
               <a:ext uri="{91240B29-F687-4f45-9708-019B960494DF}">
-                <a14:hiddenLine xmlns="" xmlns:a14="http://schemas.microsoft.com/office/drawing/2010/main" w="9525">
+                <a14:hiddenLine xmlns:a14="http://schemas.microsoft.com/office/drawing/2010/main" xmlns="" w="9525">
                   <a:solidFill>
                     <a:srgbClr val="000000"/>
                   </a:solidFill>
@@ -2435,7 +2435,7 @@
             </a:ln>
             <a:extLst>
               <a:ext uri="{91240B29-F687-4f45-9708-019B960494DF}">
-                <a14:hiddenLine xmlns="" xmlns:a14="http://schemas.microsoft.com/office/drawing/2010/main" w="9525">
+                <a14:hiddenLine xmlns:a14="http://schemas.microsoft.com/office/drawing/2010/main" xmlns="" w="9525">
                   <a:solidFill>
                     <a:srgbClr val="000000"/>
                   </a:solidFill>
@@ -2497,7 +2497,7 @@
             </a:ln>
             <a:extLst>
               <a:ext uri="{91240B29-F687-4f45-9708-019B960494DF}">
-                <a14:hiddenLine xmlns="" xmlns:a14="http://schemas.microsoft.com/office/drawing/2010/main" w="9525">
+                <a14:hiddenLine xmlns:a14="http://schemas.microsoft.com/office/drawing/2010/main" xmlns="" w="9525">
                   <a:solidFill>
                     <a:srgbClr val="000000"/>
                   </a:solidFill>
@@ -2559,7 +2559,7 @@
             </a:ln>
             <a:extLst>
               <a:ext uri="{91240B29-F687-4f45-9708-019B960494DF}">
-                <a14:hiddenLine xmlns="" xmlns:a14="http://schemas.microsoft.com/office/drawing/2010/main" w="9525">
+                <a14:hiddenLine xmlns:a14="http://schemas.microsoft.com/office/drawing/2010/main" xmlns="" w="9525">
                   <a:solidFill>
                     <a:srgbClr val="000000"/>
                   </a:solidFill>
@@ -2649,7 +2649,7 @@
             </a:ln>
             <a:extLst>
               <a:ext uri="{91240B29-F687-4f45-9708-019B960494DF}">
-                <a14:hiddenLine xmlns="" xmlns:a14="http://schemas.microsoft.com/office/drawing/2010/main" w="9525">
+                <a14:hiddenLine xmlns:a14="http://schemas.microsoft.com/office/drawing/2010/main" xmlns="" w="9525">
                   <a:solidFill>
                     <a:srgbClr val="000000"/>
                   </a:solidFill>
@@ -2717,7 +2717,7 @@
             </a:ln>
             <a:extLst>
               <a:ext uri="{91240B29-F687-4f45-9708-019B960494DF}">
-                <a14:hiddenLine xmlns="" xmlns:a14="http://schemas.microsoft.com/office/drawing/2010/main" w="9525">
+                <a14:hiddenLine xmlns:a14="http://schemas.microsoft.com/office/drawing/2010/main" xmlns="" w="9525">
                   <a:solidFill>
                     <a:srgbClr val="000000"/>
                   </a:solidFill>
@@ -2779,7 +2779,7 @@
             </a:ln>
             <a:extLst>
               <a:ext uri="{91240B29-F687-4f45-9708-019B960494DF}">
-                <a14:hiddenLine xmlns="" xmlns:a14="http://schemas.microsoft.com/office/drawing/2010/main" w="9525">
+                <a14:hiddenLine xmlns:a14="http://schemas.microsoft.com/office/drawing/2010/main" xmlns="" w="9525">
                   <a:solidFill>
                     <a:srgbClr val="000000"/>
                   </a:solidFill>
@@ -2869,7 +2869,7 @@
             </a:ln>
             <a:extLst>
               <a:ext uri="{91240B29-F687-4f45-9708-019B960494DF}">
-                <a14:hiddenLine xmlns="" xmlns:a14="http://schemas.microsoft.com/office/drawing/2010/main" w="9525">
+                <a14:hiddenLine xmlns:a14="http://schemas.microsoft.com/office/drawing/2010/main" xmlns="" w="9525">
                   <a:solidFill>
                     <a:srgbClr val="000000"/>
                   </a:solidFill>
@@ -2931,7 +2931,7 @@
             </a:ln>
             <a:extLst>
               <a:ext uri="{91240B29-F687-4f45-9708-019B960494DF}">
-                <a14:hiddenLine xmlns="" xmlns:a14="http://schemas.microsoft.com/office/drawing/2010/main" w="9525">
+                <a14:hiddenLine xmlns:a14="http://schemas.microsoft.com/office/drawing/2010/main" xmlns="" w="9525">
                   <a:solidFill>
                     <a:srgbClr val="000000"/>
                   </a:solidFill>
@@ -3021,7 +3021,7 @@
             </a:ln>
             <a:extLst>
               <a:ext uri="{91240B29-F687-4f45-9708-019B960494DF}">
-                <a14:hiddenLine xmlns="" xmlns:a14="http://schemas.microsoft.com/office/drawing/2010/main" w="9525">
+                <a14:hiddenLine xmlns:a14="http://schemas.microsoft.com/office/drawing/2010/main" xmlns="" w="9525">
                   <a:solidFill>
                     <a:srgbClr val="000000"/>
                   </a:solidFill>
@@ -3083,7 +3083,7 @@
             </a:ln>
             <a:extLst>
               <a:ext uri="{91240B29-F687-4f45-9708-019B960494DF}">
-                <a14:hiddenLine xmlns="" xmlns:a14="http://schemas.microsoft.com/office/drawing/2010/main" w="9525">
+                <a14:hiddenLine xmlns:a14="http://schemas.microsoft.com/office/drawing/2010/main" xmlns="" w="9525">
                   <a:solidFill>
                     <a:srgbClr val="000000"/>
                   </a:solidFill>
@@ -3173,7 +3173,7 @@
             </a:ln>
             <a:extLst>
               <a:ext uri="{91240B29-F687-4f45-9708-019B960494DF}">
-                <a14:hiddenLine xmlns="" xmlns:a14="http://schemas.microsoft.com/office/drawing/2010/main" w="9525">
+                <a14:hiddenLine xmlns:a14="http://schemas.microsoft.com/office/drawing/2010/main" xmlns="" w="9525">
                   <a:solidFill>
                     <a:srgbClr val="000000"/>
                   </a:solidFill>
@@ -3207,7 +3207,7 @@
             </a:ln>
             <a:extLst>
               <a:ext uri="{91240B29-F687-4f45-9708-019B960494DF}">
-                <a14:hiddenLine xmlns="" xmlns:a14="http://schemas.microsoft.com/office/drawing/2010/main" w="9525">
+                <a14:hiddenLine xmlns:a14="http://schemas.microsoft.com/office/drawing/2010/main" xmlns="" w="9525">
                   <a:solidFill>
                     <a:srgbClr val="000000"/>
                   </a:solidFill>
@@ -3272,7 +3272,7 @@
             </a:ln>
             <a:extLst>
               <a:ext uri="{91240B29-F687-4f45-9708-019B960494DF}">
-                <a14:hiddenLine xmlns="" xmlns:a14="http://schemas.microsoft.com/office/drawing/2010/main" w="9525">
+                <a14:hiddenLine xmlns:a14="http://schemas.microsoft.com/office/drawing/2010/main" xmlns="" w="9525">
                   <a:solidFill>
                     <a:srgbClr val="000000"/>
                   </a:solidFill>
@@ -3362,7 +3362,7 @@
             </a:ln>
             <a:extLst>
               <a:ext uri="{91240B29-F687-4f45-9708-019B960494DF}">
-                <a14:hiddenLine xmlns="" xmlns:a14="http://schemas.microsoft.com/office/drawing/2010/main" w="9525">
+                <a14:hiddenLine xmlns:a14="http://schemas.microsoft.com/office/drawing/2010/main" xmlns="" w="9525">
                   <a:solidFill>
                     <a:srgbClr val="000000"/>
                   </a:solidFill>
@@ -3424,7 +3424,7 @@
             </a:ln>
             <a:extLst>
               <a:ext uri="{91240B29-F687-4f45-9708-019B960494DF}">
-                <a14:hiddenLine xmlns="" xmlns:a14="http://schemas.microsoft.com/office/drawing/2010/main" w="9525">
+                <a14:hiddenLine xmlns:a14="http://schemas.microsoft.com/office/drawing/2010/main" xmlns="" w="9525">
                   <a:solidFill>
                     <a:srgbClr val="000000"/>
                   </a:solidFill>
@@ -3514,7 +3514,7 @@
             </a:ln>
             <a:extLst>
               <a:ext uri="{91240B29-F687-4f45-9708-019B960494DF}">
-                <a14:hiddenLine xmlns="" xmlns:a14="http://schemas.microsoft.com/office/drawing/2010/main" w="9525">
+                <a14:hiddenLine xmlns:a14="http://schemas.microsoft.com/office/drawing/2010/main" xmlns="" w="9525">
                   <a:solidFill>
                     <a:srgbClr val="000000"/>
                   </a:solidFill>
@@ -3604,7 +3604,7 @@
             </a:ln>
             <a:extLst>
               <a:ext uri="{91240B29-F687-4f45-9708-019B960494DF}">
-                <a14:hiddenLine xmlns="" xmlns:a14="http://schemas.microsoft.com/office/drawing/2010/main" w="9525">
+                <a14:hiddenLine xmlns:a14="http://schemas.microsoft.com/office/drawing/2010/main" xmlns="" w="9525">
                   <a:solidFill>
                     <a:srgbClr val="000000"/>
                   </a:solidFill>
@@ -3669,7 +3669,7 @@
             </a:ln>
             <a:extLst>
               <a:ext uri="{91240B29-F687-4f45-9708-019B960494DF}">
-                <a14:hiddenLine xmlns="" xmlns:a14="http://schemas.microsoft.com/office/drawing/2010/main" w="9525">
+                <a14:hiddenLine xmlns:a14="http://schemas.microsoft.com/office/drawing/2010/main" xmlns="" w="9525">
                   <a:solidFill>
                     <a:srgbClr val="000000"/>
                   </a:solidFill>
@@ -3731,7 +3731,7 @@
             </a:ln>
             <a:extLst>
               <a:ext uri="{91240B29-F687-4f45-9708-019B960494DF}">
-                <a14:hiddenLine xmlns="" xmlns:a14="http://schemas.microsoft.com/office/drawing/2010/main" w="9525">
+                <a14:hiddenLine xmlns:a14="http://schemas.microsoft.com/office/drawing/2010/main" xmlns="" w="9525">
                   <a:solidFill>
                     <a:srgbClr val="000000"/>
                   </a:solidFill>
@@ -3821,7 +3821,7 @@
             </a:ln>
             <a:extLst>
               <a:ext uri="{91240B29-F687-4f45-9708-019B960494DF}">
-                <a14:hiddenLine xmlns="" xmlns:a14="http://schemas.microsoft.com/office/drawing/2010/main" w="9525">
+                <a14:hiddenLine xmlns:a14="http://schemas.microsoft.com/office/drawing/2010/main" xmlns="" w="9525">
                   <a:solidFill>
                     <a:srgbClr val="000000"/>
                   </a:solidFill>
@@ -3911,7 +3911,7 @@
             </a:ln>
             <a:extLst>
               <a:ext uri="{91240B29-F687-4f45-9708-019B960494DF}">
-                <a14:hiddenLine xmlns="" xmlns:a14="http://schemas.microsoft.com/office/drawing/2010/main" w="9525">
+                <a14:hiddenLine xmlns:a14="http://schemas.microsoft.com/office/drawing/2010/main" xmlns="" w="9525">
                   <a:solidFill>
                     <a:srgbClr val="000000"/>
                   </a:solidFill>
@@ -3973,7 +3973,7 @@
             </a:ln>
             <a:extLst>
               <a:ext uri="{91240B29-F687-4f45-9708-019B960494DF}">
-                <a14:hiddenLine xmlns="" xmlns:a14="http://schemas.microsoft.com/office/drawing/2010/main" w="9525">
+                <a14:hiddenLine xmlns:a14="http://schemas.microsoft.com/office/drawing/2010/main" xmlns="" w="9525">
                   <a:solidFill>
                     <a:srgbClr val="000000"/>
                   </a:solidFill>
@@ -4093,7 +4093,7 @@
             </a:ln>
             <a:extLst>
               <a:ext uri="{91240B29-F687-4f45-9708-019B960494DF}">
-                <a14:hiddenLine xmlns="" xmlns:a14="http://schemas.microsoft.com/office/drawing/2010/main" w="9525">
+                <a14:hiddenLine xmlns:a14="http://schemas.microsoft.com/office/drawing/2010/main" xmlns="" w="9525">
                   <a:solidFill>
                     <a:srgbClr val="000000"/>
                   </a:solidFill>
@@ -4161,7 +4161,7 @@
             </a:ln>
             <a:extLst>
               <a:ext uri="{91240B29-F687-4f45-9708-019B960494DF}">
-                <a14:hiddenLine xmlns="" xmlns:a14="http://schemas.microsoft.com/office/drawing/2010/main" w="9525">
+                <a14:hiddenLine xmlns:a14="http://schemas.microsoft.com/office/drawing/2010/main" xmlns="" w="9525">
                   <a:solidFill>
                     <a:srgbClr val="000000"/>
                   </a:solidFill>
@@ -4251,7 +4251,7 @@
             </a:ln>
             <a:extLst>
               <a:ext uri="{91240B29-F687-4f45-9708-019B960494DF}">
-                <a14:hiddenLine xmlns="" xmlns:a14="http://schemas.microsoft.com/office/drawing/2010/main" w="9525">
+                <a14:hiddenLine xmlns:a14="http://schemas.microsoft.com/office/drawing/2010/main" xmlns="" w="9525">
                   <a:solidFill>
                     <a:srgbClr val="000000"/>
                   </a:solidFill>
@@ -4276,8 +4276,8 @@
         </p:nvSpPr>
         <p:spPr>
           <a:xfrm>
-            <a:off x="1876424" y="1122363"/>
-            <a:ext cx="8791575" cy="2387600"/>
+            <a:off x="1524595" y="1122363"/>
+            <a:ext cx="7143155" cy="2387600"/>
           </a:xfrm>
         </p:spPr>
         <p:txBody>
@@ -4310,8 +4310,8 @@
         </p:nvSpPr>
         <p:spPr>
           <a:xfrm>
-            <a:off x="1876424" y="3602038"/>
-            <a:ext cx="8791575" cy="1655762"/>
+            <a:off x="1524595" y="3602038"/>
+            <a:ext cx="7143155" cy="1655762"/>
           </a:xfrm>
         </p:spPr>
         <p:txBody>
@@ -4381,8 +4381,8 @@
         </p:nvSpPr>
         <p:spPr>
           <a:xfrm>
-            <a:off x="7077511" y="5410201"/>
-            <a:ext cx="2743200" cy="365125"/>
+            <a:off x="5750478" y="5410202"/>
+            <a:ext cx="2228850" cy="365125"/>
           </a:xfrm>
         </p:spPr>
         <p:txBody>
@@ -4391,7 +4391,8 @@
           <a:p>
             <a:fld id="{64DCE64C-8487-40EE-8727-5E483AC79F68}" type="datetimeFigureOut">
               <a:rPr lang="ru-RU" smtClean="0"/>
-              <a:t>2015.06.25</a:t>
+              <a:pPr/>
+              <a:t>26.06.2015</a:t>
             </a:fld>
             <a:endParaRPr lang="ru-RU"/>
           </a:p>
@@ -4409,8 +4410,8 @@
         </p:nvSpPr>
         <p:spPr>
           <a:xfrm>
-            <a:off x="1876424" y="5410201"/>
-            <a:ext cx="5124886" cy="365125"/>
+            <a:off x="1524594" y="5410202"/>
+            <a:ext cx="4163970" cy="365125"/>
           </a:xfrm>
         </p:spPr>
         <p:txBody>
@@ -4433,8 +4434,8 @@
         </p:nvSpPr>
         <p:spPr>
           <a:xfrm>
-            <a:off x="9896911" y="5410199"/>
-            <a:ext cx="771089" cy="365125"/>
+            <a:off x="8041241" y="5410200"/>
+            <a:ext cx="626510" cy="365125"/>
           </a:xfrm>
         </p:spPr>
         <p:txBody>
@@ -4443,6 +4444,7 @@
           <a:p>
             <a:fld id="{4D1593E7-8C7C-4449-9060-98B473C5D039}" type="slidenum">
               <a:rPr lang="ru-RU" smtClean="0"/>
+              <a:pPr/>
               <a:t>‹#›</a:t>
             </a:fld>
             <a:endParaRPr lang="ru-RU"/>
@@ -4452,7 +4454,7 @@
     </p:spTree>
     <p:extLst>
       <p:ext uri="{BB962C8B-B14F-4D97-AF65-F5344CB8AC3E}">
-        <p14:creationId xmlns:p14="http://schemas.microsoft.com/office/powerpoint/2010/main" val="3974474526"/>
+        <p14:creationId xmlns:p14="http://schemas.microsoft.com/office/powerpoint/2010/main" xmlns="" val="3974474526"/>
       </p:ext>
     </p:extLst>
   </p:cSld>
@@ -4491,8 +4493,8 @@
         </p:nvSpPr>
         <p:spPr>
           <a:xfrm>
-            <a:off x="1141410" y="4304664"/>
-            <a:ext cx="9912355" cy="819355"/>
+            <a:off x="927396" y="4304665"/>
+            <a:ext cx="8053788" cy="819355"/>
           </a:xfrm>
         </p:spPr>
         <p:txBody>
@@ -4525,8 +4527,8 @@
         </p:nvSpPr>
         <p:spPr>
           <a:xfrm>
-            <a:off x="1141411" y="606426"/>
-            <a:ext cx="9912354" cy="3299778"/>
+            <a:off x="927396" y="606426"/>
+            <a:ext cx="8053788" cy="3299778"/>
           </a:xfrm>
           <a:prstGeom prst="round2DiagRect">
             <a:avLst>
@@ -4586,8 +4588,8 @@
         </p:nvSpPr>
         <p:spPr>
           <a:xfrm>
-            <a:off x="1141364" y="5124020"/>
-            <a:ext cx="9910859" cy="682472"/>
+            <a:off x="927359" y="5124020"/>
+            <a:ext cx="8052573" cy="682472"/>
           </a:xfrm>
         </p:spPr>
         <p:txBody>
@@ -4658,7 +4660,8 @@
           <a:p>
             <a:fld id="{64DCE64C-8487-40EE-8727-5E483AC79F68}" type="datetimeFigureOut">
               <a:rPr lang="ru-RU" smtClean="0"/>
-              <a:t>2015.06.25</a:t>
+              <a:pPr/>
+              <a:t>26.06.2015</a:t>
             </a:fld>
             <a:endParaRPr lang="ru-RU"/>
           </a:p>
@@ -4700,6 +4703,7 @@
           <a:p>
             <a:fld id="{4D1593E7-8C7C-4449-9060-98B473C5D039}" type="slidenum">
               <a:rPr lang="ru-RU" smtClean="0"/>
+              <a:pPr/>
               <a:t>‹#›</a:t>
             </a:fld>
             <a:endParaRPr lang="ru-RU"/>
@@ -4709,7 +4713,7 @@
     </p:spTree>
     <p:extLst>
       <p:ext uri="{BB962C8B-B14F-4D97-AF65-F5344CB8AC3E}">
-        <p14:creationId xmlns:p14="http://schemas.microsoft.com/office/powerpoint/2010/main" val="3913451706"/>
+        <p14:creationId xmlns:p14="http://schemas.microsoft.com/office/powerpoint/2010/main" xmlns="" val="3913451706"/>
       </p:ext>
     </p:extLst>
   </p:cSld>
@@ -4748,8 +4752,8 @@
         </p:nvSpPr>
         <p:spPr>
           <a:xfrm>
-            <a:off x="1141456" y="609600"/>
-            <a:ext cx="9905955" cy="3429000"/>
+            <a:off x="927434" y="609600"/>
+            <a:ext cx="8048588" cy="3429000"/>
           </a:xfrm>
         </p:spPr>
         <p:txBody>
@@ -4782,8 +4786,8 @@
         </p:nvSpPr>
         <p:spPr>
           <a:xfrm>
-            <a:off x="1141410" y="4419599"/>
-            <a:ext cx="9904459" cy="1371599"/>
+            <a:off x="927396" y="4419600"/>
+            <a:ext cx="8047373" cy="1371599"/>
           </a:xfrm>
         </p:spPr>
         <p:txBody>
@@ -4854,7 +4858,8 @@
           <a:p>
             <a:fld id="{64DCE64C-8487-40EE-8727-5E483AC79F68}" type="datetimeFigureOut">
               <a:rPr lang="ru-RU" smtClean="0"/>
-              <a:t>2015.06.25</a:t>
+              <a:pPr/>
+              <a:t>26.06.2015</a:t>
             </a:fld>
             <a:endParaRPr lang="ru-RU"/>
           </a:p>
@@ -4896,6 +4901,7 @@
           <a:p>
             <a:fld id="{4D1593E7-8C7C-4449-9060-98B473C5D039}" type="slidenum">
               <a:rPr lang="ru-RU" smtClean="0"/>
+              <a:pPr/>
               <a:t>‹#›</a:t>
             </a:fld>
             <a:endParaRPr lang="ru-RU"/>
@@ -4905,7 +4911,7 @@
     </p:spTree>
     <p:extLst>
       <p:ext uri="{BB962C8B-B14F-4D97-AF65-F5344CB8AC3E}">
-        <p14:creationId xmlns:p14="http://schemas.microsoft.com/office/powerpoint/2010/main" val="436247619"/>
+        <p14:creationId xmlns:p14="http://schemas.microsoft.com/office/powerpoint/2010/main" xmlns="" val="436247619"/>
       </p:ext>
     </p:extLst>
   </p:cSld>
@@ -4944,8 +4950,8 @@
         </p:nvSpPr>
         <p:spPr>
           <a:xfrm>
-            <a:off x="1446212" y="609599"/>
-            <a:ext cx="9302752" cy="2748429"/>
+            <a:off x="1175047" y="609600"/>
+            <a:ext cx="7558486" cy="2748429"/>
           </a:xfrm>
         </p:spPr>
         <p:txBody>
@@ -4978,8 +4984,8 @@
         </p:nvSpPr>
         <p:spPr>
           <a:xfrm>
-            <a:off x="1720644" y="3365557"/>
-            <a:ext cx="8752299" cy="548968"/>
+            <a:off x="1398024" y="3365557"/>
+            <a:ext cx="7111243" cy="548968"/>
           </a:xfrm>
         </p:spPr>
         <p:txBody>
@@ -5045,8 +5051,8 @@
         </p:nvSpPr>
         <p:spPr>
           <a:xfrm>
-            <a:off x="1141411" y="4309919"/>
-            <a:ext cx="9906002" cy="1489496"/>
+            <a:off x="927396" y="4309919"/>
+            <a:ext cx="8048627" cy="1489496"/>
           </a:xfrm>
         </p:spPr>
         <p:txBody>
@@ -5117,7 +5123,8 @@
           <a:p>
             <a:fld id="{64DCE64C-8487-40EE-8727-5E483AC79F68}" type="datetimeFigureOut">
               <a:rPr lang="ru-RU" smtClean="0"/>
-              <a:t>2015.06.25</a:t>
+              <a:pPr/>
+              <a:t>26.06.2015</a:t>
             </a:fld>
             <a:endParaRPr lang="ru-RU"/>
           </a:p>
@@ -5159,6 +5166,7 @@
           <a:p>
             <a:fld id="{4D1593E7-8C7C-4449-9060-98B473C5D039}" type="slidenum">
               <a:rPr lang="ru-RU" smtClean="0"/>
+              <a:pPr/>
               <a:t>‹#›</a:t>
             </a:fld>
             <a:endParaRPr lang="ru-RU"/>
@@ -5173,8 +5181,8 @@
         </p:nvSpPr>
         <p:spPr>
           <a:xfrm>
-            <a:off x="903512" y="732394"/>
-            <a:ext cx="609600" cy="584776"/>
+            <a:off x="734104" y="732394"/>
+            <a:ext cx="495300" cy="584776"/>
           </a:xfrm>
           <a:prstGeom prst="rect">
             <a:avLst/>
@@ -5292,8 +5300,8 @@
         </p:nvSpPr>
         <p:spPr>
           <a:xfrm>
-            <a:off x="10537370" y="2764972"/>
-            <a:ext cx="609600" cy="584776"/>
+            <a:off x="8561613" y="2764972"/>
+            <a:ext cx="495300" cy="584776"/>
           </a:xfrm>
           <a:prstGeom prst="rect">
             <a:avLst/>
@@ -5406,7 +5414,7 @@
     </p:spTree>
     <p:extLst>
       <p:ext uri="{BB962C8B-B14F-4D97-AF65-F5344CB8AC3E}">
-        <p14:creationId xmlns:p14="http://schemas.microsoft.com/office/powerpoint/2010/main" val="389360720"/>
+        <p14:creationId xmlns:p14="http://schemas.microsoft.com/office/powerpoint/2010/main" xmlns="" val="389360720"/>
       </p:ext>
     </p:extLst>
   </p:cSld>
@@ -5445,8 +5453,8 @@
         </p:nvSpPr>
         <p:spPr>
           <a:xfrm>
-            <a:off x="1141410" y="2134041"/>
-            <a:ext cx="9906001" cy="2511835"/>
+            <a:off x="927396" y="2134042"/>
+            <a:ext cx="8048626" cy="2511835"/>
           </a:xfrm>
         </p:spPr>
         <p:txBody>
@@ -5479,8 +5487,8 @@
         </p:nvSpPr>
         <p:spPr>
           <a:xfrm>
-            <a:off x="1141364" y="4657655"/>
-            <a:ext cx="9904505" cy="1140644"/>
+            <a:off x="927359" y="4657655"/>
+            <a:ext cx="8047410" cy="1140644"/>
           </a:xfrm>
         </p:spPr>
         <p:txBody>
@@ -5551,7 +5559,8 @@
           <a:p>
             <a:fld id="{64DCE64C-8487-40EE-8727-5E483AC79F68}" type="datetimeFigureOut">
               <a:rPr lang="ru-RU" smtClean="0"/>
-              <a:t>2015.06.25</a:t>
+              <a:pPr/>
+              <a:t>26.06.2015</a:t>
             </a:fld>
             <a:endParaRPr lang="ru-RU"/>
           </a:p>
@@ -5593,6 +5602,7 @@
           <a:p>
             <a:fld id="{4D1593E7-8C7C-4449-9060-98B473C5D039}" type="slidenum">
               <a:rPr lang="ru-RU" smtClean="0"/>
+              <a:pPr/>
               <a:t>‹#›</a:t>
             </a:fld>
             <a:endParaRPr lang="ru-RU"/>
@@ -5602,7 +5612,7 @@
     </p:spTree>
     <p:extLst>
       <p:ext uri="{BB962C8B-B14F-4D97-AF65-F5344CB8AC3E}">
-        <p14:creationId xmlns:p14="http://schemas.microsoft.com/office/powerpoint/2010/main" val="2731159170"/>
+        <p14:creationId xmlns:p14="http://schemas.microsoft.com/office/powerpoint/2010/main" xmlns="" val="2731159170"/>
       </p:ext>
     </p:extLst>
   </p:cSld>
@@ -5641,8 +5651,8 @@
         </p:nvSpPr>
         <p:spPr>
           <a:xfrm>
-            <a:off x="1141413" y="609600"/>
-            <a:ext cx="9905998" cy="1905000"/>
+            <a:off x="927398" y="609600"/>
+            <a:ext cx="8048623" cy="1905000"/>
           </a:xfrm>
         </p:spPr>
         <p:txBody>
@@ -5669,8 +5679,8 @@
         </p:nvSpPr>
         <p:spPr>
           <a:xfrm>
-            <a:off x="1141410" y="2674463"/>
-            <a:ext cx="3196899" cy="685800"/>
+            <a:off x="927396" y="2674463"/>
+            <a:ext cx="2597480" cy="685800"/>
           </a:xfrm>
         </p:spPr>
         <p:txBody>
@@ -5743,8 +5753,8 @@
         </p:nvSpPr>
         <p:spPr>
           <a:xfrm>
-            <a:off x="1127918" y="3360263"/>
-            <a:ext cx="3208735" cy="2430936"/>
+            <a:off x="916434" y="3360263"/>
+            <a:ext cx="2607097" cy="2430936"/>
           </a:xfrm>
         </p:spPr>
         <p:txBody>
@@ -5810,8 +5820,8 @@
         </p:nvSpPr>
         <p:spPr>
           <a:xfrm>
-            <a:off x="4514766" y="2677635"/>
-            <a:ext cx="3184385" cy="685800"/>
+            <a:off x="3668248" y="2677635"/>
+            <a:ext cx="2587313" cy="685800"/>
           </a:xfrm>
         </p:spPr>
         <p:txBody>
@@ -5884,8 +5894,8 @@
         </p:nvSpPr>
         <p:spPr>
           <a:xfrm>
-            <a:off x="4504213" y="3363435"/>
-            <a:ext cx="3195830" cy="2430936"/>
+            <a:off x="3659673" y="3363435"/>
+            <a:ext cx="2596612" cy="2430936"/>
           </a:xfrm>
         </p:spPr>
         <p:txBody>
@@ -5951,8 +5961,8 @@
         </p:nvSpPr>
         <p:spPr>
           <a:xfrm>
-            <a:off x="7852442" y="2674463"/>
-            <a:ext cx="3194968" cy="685800"/>
+            <a:off x="6380109" y="2674463"/>
+            <a:ext cx="2595912" cy="685800"/>
           </a:xfrm>
         </p:spPr>
         <p:txBody>
@@ -6025,8 +6035,8 @@
         </p:nvSpPr>
         <p:spPr>
           <a:xfrm>
-            <a:off x="7852442" y="3360263"/>
-            <a:ext cx="3194968" cy="2430936"/>
+            <a:off x="6380109" y="3360263"/>
+            <a:ext cx="2595912" cy="2430936"/>
           </a:xfrm>
         </p:spPr>
         <p:txBody>
@@ -6097,7 +6107,8 @@
           <a:p>
             <a:fld id="{64DCE64C-8487-40EE-8727-5E483AC79F68}" type="datetimeFigureOut">
               <a:rPr lang="ru-RU" smtClean="0"/>
-              <a:t>2015.06.25</a:t>
+              <a:pPr/>
+              <a:t>26.06.2015</a:t>
             </a:fld>
             <a:endParaRPr lang="ru-RU"/>
           </a:p>
@@ -6139,6 +6150,7 @@
           <a:p>
             <a:fld id="{4D1593E7-8C7C-4449-9060-98B473C5D039}" type="slidenum">
               <a:rPr lang="ru-RU" smtClean="0"/>
+              <a:pPr/>
               <a:t>‹#›</a:t>
             </a:fld>
             <a:endParaRPr lang="ru-RU"/>
@@ -6148,7 +6160,7 @@
     </p:spTree>
     <p:extLst>
       <p:ext uri="{BB962C8B-B14F-4D97-AF65-F5344CB8AC3E}">
-        <p14:creationId xmlns:p14="http://schemas.microsoft.com/office/powerpoint/2010/main" val="322833054"/>
+        <p14:creationId xmlns:p14="http://schemas.microsoft.com/office/powerpoint/2010/main" xmlns="" val="322833054"/>
       </p:ext>
     </p:extLst>
   </p:cSld>
@@ -6187,8 +6199,8 @@
         </p:nvSpPr>
         <p:spPr>
           <a:xfrm>
-            <a:off x="1141411" y="609600"/>
-            <a:ext cx="9905999" cy="1905000"/>
+            <a:off x="927397" y="609600"/>
+            <a:ext cx="8048624" cy="1905000"/>
           </a:xfrm>
         </p:spPr>
         <p:txBody>
@@ -6215,8 +6227,8 @@
         </p:nvSpPr>
         <p:spPr>
           <a:xfrm>
-            <a:off x="1141413" y="4404596"/>
-            <a:ext cx="3195240" cy="576262"/>
+            <a:off x="927398" y="4404596"/>
+            <a:ext cx="2596133" cy="576262"/>
           </a:xfrm>
         </p:spPr>
         <p:txBody>
@@ -6289,8 +6301,8 @@
         </p:nvSpPr>
         <p:spPr>
           <a:xfrm>
-            <a:off x="1141413" y="2666998"/>
-            <a:ext cx="3195240" cy="1524000"/>
+            <a:off x="927398" y="2666998"/>
+            <a:ext cx="2596133" cy="1524000"/>
           </a:xfrm>
           <a:prstGeom prst="round2DiagRect">
             <a:avLst/>
@@ -6347,8 +6359,8 @@
         </p:nvSpPr>
         <p:spPr>
           <a:xfrm>
-            <a:off x="1141413" y="4980858"/>
-            <a:ext cx="3195240" cy="817843"/>
+            <a:off x="927398" y="4980859"/>
+            <a:ext cx="2596133" cy="817843"/>
           </a:xfrm>
         </p:spPr>
         <p:txBody>
@@ -6414,8 +6426,8 @@
         </p:nvSpPr>
         <p:spPr>
           <a:xfrm>
-            <a:off x="4489053" y="4404596"/>
-            <a:ext cx="3200400" cy="576262"/>
+            <a:off x="3647356" y="4404596"/>
+            <a:ext cx="2600325" cy="576262"/>
           </a:xfrm>
         </p:spPr>
         <p:txBody>
@@ -6488,8 +6500,8 @@
         </p:nvSpPr>
         <p:spPr>
           <a:xfrm>
-            <a:off x="4489053" y="2666998"/>
-            <a:ext cx="3198940" cy="1524000"/>
+            <a:off x="3647355" y="2666998"/>
+            <a:ext cx="2599139" cy="1524000"/>
           </a:xfrm>
           <a:prstGeom prst="round2DiagRect">
             <a:avLst/>
@@ -6546,8 +6558,8 @@
         </p:nvSpPr>
         <p:spPr>
           <a:xfrm>
-            <a:off x="4487593" y="4980857"/>
-            <a:ext cx="3200400" cy="810342"/>
+            <a:off x="3646169" y="4980857"/>
+            <a:ext cx="2600325" cy="810342"/>
           </a:xfrm>
         </p:spPr>
         <p:txBody>
@@ -6613,8 +6625,8 @@
         </p:nvSpPr>
         <p:spPr>
           <a:xfrm>
-            <a:off x="7852567" y="4404595"/>
-            <a:ext cx="3190741" cy="576262"/>
+            <a:off x="6380211" y="4404595"/>
+            <a:ext cx="2592477" cy="576262"/>
           </a:xfrm>
         </p:spPr>
         <p:txBody>
@@ -6687,8 +6699,8 @@
         </p:nvSpPr>
         <p:spPr>
           <a:xfrm>
-            <a:off x="7852442" y="2666998"/>
-            <a:ext cx="3194969" cy="1524000"/>
+            <a:off x="6380110" y="2666998"/>
+            <a:ext cx="2595912" cy="1524000"/>
           </a:xfrm>
           <a:prstGeom prst="round2DiagRect">
             <a:avLst/>
@@ -6745,8 +6757,8 @@
         </p:nvSpPr>
         <p:spPr>
           <a:xfrm>
-            <a:off x="7852442" y="4980854"/>
-            <a:ext cx="3194968" cy="810345"/>
+            <a:off x="6380109" y="4980855"/>
+            <a:ext cx="2595912" cy="810345"/>
           </a:xfrm>
         </p:spPr>
         <p:txBody>
@@ -6817,7 +6829,8 @@
           <a:p>
             <a:fld id="{64DCE64C-8487-40EE-8727-5E483AC79F68}" type="datetimeFigureOut">
               <a:rPr lang="ru-RU" smtClean="0"/>
-              <a:t>2015.06.25</a:t>
+              <a:pPr/>
+              <a:t>26.06.2015</a:t>
             </a:fld>
             <a:endParaRPr lang="ru-RU"/>
           </a:p>
@@ -6859,6 +6872,7 @@
           <a:p>
             <a:fld id="{4D1593E7-8C7C-4449-9060-98B473C5D039}" type="slidenum">
               <a:rPr lang="ru-RU" smtClean="0"/>
+              <a:pPr/>
               <a:t>‹#›</a:t>
             </a:fld>
             <a:endParaRPr lang="ru-RU"/>
@@ -6868,7 +6882,7 @@
     </p:spTree>
     <p:extLst>
       <p:ext uri="{BB962C8B-B14F-4D97-AF65-F5344CB8AC3E}">
-        <p14:creationId xmlns:p14="http://schemas.microsoft.com/office/powerpoint/2010/main" val="2156181178"/>
+        <p14:creationId xmlns:p14="http://schemas.microsoft.com/office/powerpoint/2010/main" xmlns="" val="2156181178"/>
       </p:ext>
     </p:extLst>
   </p:cSld>
@@ -6987,7 +7001,8 @@
           <a:p>
             <a:fld id="{64DCE64C-8487-40EE-8727-5E483AC79F68}" type="datetimeFigureOut">
               <a:rPr lang="ru-RU" smtClean="0"/>
-              <a:t>2015.06.25</a:t>
+              <a:pPr/>
+              <a:t>26.06.2015</a:t>
             </a:fld>
             <a:endParaRPr lang="ru-RU"/>
           </a:p>
@@ -7029,6 +7044,7 @@
           <a:p>
             <a:fld id="{4D1593E7-8C7C-4449-9060-98B473C5D039}" type="slidenum">
               <a:rPr lang="ru-RU" smtClean="0"/>
+              <a:pPr/>
               <a:t>‹#›</a:t>
             </a:fld>
             <a:endParaRPr lang="ru-RU"/>
@@ -7038,7 +7054,7 @@
     </p:spTree>
     <p:extLst>
       <p:ext uri="{BB962C8B-B14F-4D97-AF65-F5344CB8AC3E}">
-        <p14:creationId xmlns:p14="http://schemas.microsoft.com/office/powerpoint/2010/main" val="2596616804"/>
+        <p14:creationId xmlns:p14="http://schemas.microsoft.com/office/powerpoint/2010/main" xmlns="" val="2596616804"/>
       </p:ext>
     </p:extLst>
   </p:cSld>
@@ -7077,8 +7093,8 @@
         </p:nvSpPr>
         <p:spPr>
           <a:xfrm>
-            <a:off x="9042400" y="609599"/>
-            <a:ext cx="2005011" cy="5181601"/>
+            <a:off x="7346951" y="609600"/>
+            <a:ext cx="1629071" cy="5181601"/>
           </a:xfrm>
         </p:spPr>
         <p:txBody>
@@ -7105,8 +7121,8 @@
         </p:nvSpPr>
         <p:spPr>
           <a:xfrm>
-            <a:off x="1141410" y="609599"/>
-            <a:ext cx="7748590" cy="5181601"/>
+            <a:off x="927396" y="609600"/>
+            <a:ext cx="6295729" cy="5181601"/>
           </a:xfrm>
         </p:spPr>
         <p:txBody>
@@ -7167,7 +7183,8 @@
           <a:p>
             <a:fld id="{64DCE64C-8487-40EE-8727-5E483AC79F68}" type="datetimeFigureOut">
               <a:rPr lang="ru-RU" smtClean="0"/>
-              <a:t>2015.06.25</a:t>
+              <a:pPr/>
+              <a:t>26.06.2015</a:t>
             </a:fld>
             <a:endParaRPr lang="ru-RU"/>
           </a:p>
@@ -7209,6 +7226,7 @@
           <a:p>
             <a:fld id="{4D1593E7-8C7C-4449-9060-98B473C5D039}" type="slidenum">
               <a:rPr lang="ru-RU" smtClean="0"/>
+              <a:pPr/>
               <a:t>‹#›</a:t>
             </a:fld>
             <a:endParaRPr lang="ru-RU"/>
@@ -7218,7 +7236,7 @@
     </p:spTree>
     <p:extLst>
       <p:ext uri="{BB962C8B-B14F-4D97-AF65-F5344CB8AC3E}">
-        <p14:creationId xmlns:p14="http://schemas.microsoft.com/office/powerpoint/2010/main" val="962536937"/>
+        <p14:creationId xmlns:p14="http://schemas.microsoft.com/office/powerpoint/2010/main" xmlns="" val="962536937"/>
       </p:ext>
     </p:extLst>
   </p:cSld>
@@ -7337,7 +7355,8 @@
           <a:p>
             <a:fld id="{64DCE64C-8487-40EE-8727-5E483AC79F68}" type="datetimeFigureOut">
               <a:rPr lang="ru-RU" smtClean="0"/>
-              <a:t>2015.06.25</a:t>
+              <a:pPr/>
+              <a:t>26.06.2015</a:t>
             </a:fld>
             <a:endParaRPr lang="ru-RU"/>
           </a:p>
@@ -7379,6 +7398,7 @@
           <a:p>
             <a:fld id="{4D1593E7-8C7C-4449-9060-98B473C5D039}" type="slidenum">
               <a:rPr lang="ru-RU" smtClean="0"/>
+              <a:pPr/>
               <a:t>‹#›</a:t>
             </a:fld>
             <a:endParaRPr lang="ru-RU"/>
@@ -7388,7 +7408,7 @@
     </p:spTree>
     <p:extLst>
       <p:ext uri="{BB962C8B-B14F-4D97-AF65-F5344CB8AC3E}">
-        <p14:creationId xmlns:p14="http://schemas.microsoft.com/office/powerpoint/2010/main" val="4009410462"/>
+        <p14:creationId xmlns:p14="http://schemas.microsoft.com/office/powerpoint/2010/main" xmlns="" val="4009410462"/>
       </p:ext>
     </p:extLst>
   </p:cSld>
@@ -7427,8 +7447,8 @@
         </p:nvSpPr>
         <p:spPr>
           <a:xfrm>
-            <a:off x="1141411" y="1419226"/>
-            <a:ext cx="9906000" cy="2852737"/>
+            <a:off x="927396" y="1419227"/>
+            <a:ext cx="8048625" cy="2852737"/>
           </a:xfrm>
         </p:spPr>
         <p:txBody>
@@ -7461,8 +7481,8 @@
         </p:nvSpPr>
         <p:spPr>
           <a:xfrm>
-            <a:off x="1141411" y="4424362"/>
-            <a:ext cx="9906000" cy="1374776"/>
+            <a:off x="927396" y="4424362"/>
+            <a:ext cx="8048625" cy="1374776"/>
           </a:xfrm>
         </p:spPr>
         <p:txBody>
@@ -7587,7 +7607,8 @@
           <a:p>
             <a:fld id="{64DCE64C-8487-40EE-8727-5E483AC79F68}" type="datetimeFigureOut">
               <a:rPr lang="ru-RU" smtClean="0"/>
-              <a:t>2015.06.25</a:t>
+              <a:pPr/>
+              <a:t>26.06.2015</a:t>
             </a:fld>
             <a:endParaRPr lang="ru-RU"/>
           </a:p>
@@ -7629,6 +7650,7 @@
           <a:p>
             <a:fld id="{4D1593E7-8C7C-4449-9060-98B473C5D039}" type="slidenum">
               <a:rPr lang="ru-RU" smtClean="0"/>
+              <a:pPr/>
               <a:t>‹#›</a:t>
             </a:fld>
             <a:endParaRPr lang="ru-RU"/>
@@ -7638,7 +7660,7 @@
     </p:spTree>
     <p:extLst>
       <p:ext uri="{BB962C8B-B14F-4D97-AF65-F5344CB8AC3E}">
-        <p14:creationId xmlns:p14="http://schemas.microsoft.com/office/powerpoint/2010/main" val="1613323597"/>
+        <p14:creationId xmlns:p14="http://schemas.microsoft.com/office/powerpoint/2010/main" xmlns="" val="1613323597"/>
       </p:ext>
     </p:extLst>
   </p:cSld>
@@ -7700,8 +7722,8 @@
         </p:nvSpPr>
         <p:spPr>
           <a:xfrm>
-            <a:off x="1141410" y="2249486"/>
-            <a:ext cx="4878389" cy="3541714"/>
+            <a:off x="927396" y="2249486"/>
+            <a:ext cx="3963691" cy="3541714"/>
           </a:xfrm>
         </p:spPr>
         <p:txBody>
@@ -7757,8 +7779,8 @@
         </p:nvSpPr>
         <p:spPr>
           <a:xfrm>
-            <a:off x="6172200" y="2249486"/>
-            <a:ext cx="4875211" cy="3541714"/>
+            <a:off x="5014913" y="2249486"/>
+            <a:ext cx="3961109" cy="3541714"/>
           </a:xfrm>
         </p:spPr>
         <p:txBody>
@@ -7819,7 +7841,8 @@
           <a:p>
             <a:fld id="{64DCE64C-8487-40EE-8727-5E483AC79F68}" type="datetimeFigureOut">
               <a:rPr lang="ru-RU" smtClean="0"/>
-              <a:t>2015.06.25</a:t>
+              <a:pPr/>
+              <a:t>26.06.2015</a:t>
             </a:fld>
             <a:endParaRPr lang="ru-RU"/>
           </a:p>
@@ -7861,6 +7884,7 @@
           <a:p>
             <a:fld id="{4D1593E7-8C7C-4449-9060-98B473C5D039}" type="slidenum">
               <a:rPr lang="ru-RU" smtClean="0"/>
+              <a:pPr/>
               <a:t>‹#›</a:t>
             </a:fld>
             <a:endParaRPr lang="ru-RU"/>
@@ -7870,7 +7894,7 @@
     </p:spTree>
     <p:extLst>
       <p:ext uri="{BB962C8B-B14F-4D97-AF65-F5344CB8AC3E}">
-        <p14:creationId xmlns:p14="http://schemas.microsoft.com/office/powerpoint/2010/main" val="1602414625"/>
+        <p14:creationId xmlns:p14="http://schemas.microsoft.com/office/powerpoint/2010/main" xmlns="" val="1602414625"/>
       </p:ext>
     </p:extLst>
   </p:cSld>
@@ -7909,8 +7933,8 @@
         </p:nvSpPr>
         <p:spPr>
           <a:xfrm>
-            <a:off x="1141411" y="619126"/>
-            <a:ext cx="9906000" cy="1477961"/>
+            <a:off x="927396" y="619127"/>
+            <a:ext cx="8048625" cy="1477961"/>
           </a:xfrm>
         </p:spPr>
         <p:txBody>
@@ -7937,8 +7961,8 @@
         </p:nvSpPr>
         <p:spPr>
           <a:xfrm>
-            <a:off x="1370019" y="2249486"/>
-            <a:ext cx="4649783" cy="823912"/>
+            <a:off x="1113141" y="2249486"/>
+            <a:ext cx="3777949" cy="823912"/>
           </a:xfrm>
         </p:spPr>
         <p:txBody>
@@ -8009,8 +8033,8 @@
         </p:nvSpPr>
         <p:spPr>
           <a:xfrm>
-            <a:off x="1141410" y="3073397"/>
-            <a:ext cx="4878391" cy="2717801"/>
+            <a:off x="927396" y="3073398"/>
+            <a:ext cx="3963693" cy="2717801"/>
           </a:xfrm>
         </p:spPr>
         <p:txBody>
@@ -8066,8 +8090,8 @@
         </p:nvSpPr>
         <p:spPr>
           <a:xfrm>
-            <a:off x="6400808" y="2249485"/>
-            <a:ext cx="4646602" cy="823912"/>
+            <a:off x="5200657" y="2249485"/>
+            <a:ext cx="3775364" cy="823912"/>
           </a:xfrm>
         </p:spPr>
         <p:txBody>
@@ -8138,8 +8162,8 @@
         </p:nvSpPr>
         <p:spPr>
           <a:xfrm>
-            <a:off x="6172200" y="3073397"/>
-            <a:ext cx="4875210" cy="2717801"/>
+            <a:off x="5014913" y="3073398"/>
+            <a:ext cx="3961108" cy="2717801"/>
           </a:xfrm>
         </p:spPr>
         <p:txBody>
@@ -8200,7 +8224,8 @@
           <a:p>
             <a:fld id="{64DCE64C-8487-40EE-8727-5E483AC79F68}" type="datetimeFigureOut">
               <a:rPr lang="ru-RU" smtClean="0"/>
-              <a:t>2015.06.25</a:t>
+              <a:pPr/>
+              <a:t>26.06.2015</a:t>
             </a:fld>
             <a:endParaRPr lang="ru-RU"/>
           </a:p>
@@ -8242,6 +8267,7 @@
           <a:p>
             <a:fld id="{4D1593E7-8C7C-4449-9060-98B473C5D039}" type="slidenum">
               <a:rPr lang="ru-RU" smtClean="0"/>
+              <a:pPr/>
               <a:t>‹#›</a:t>
             </a:fld>
             <a:endParaRPr lang="ru-RU"/>
@@ -8251,7 +8277,7 @@
     </p:spTree>
     <p:extLst>
       <p:ext uri="{BB962C8B-B14F-4D97-AF65-F5344CB8AC3E}">
-        <p14:creationId xmlns:p14="http://schemas.microsoft.com/office/powerpoint/2010/main" val="2370118129"/>
+        <p14:creationId xmlns:p14="http://schemas.microsoft.com/office/powerpoint/2010/main" xmlns="" val="2370118129"/>
       </p:ext>
     </p:extLst>
   </p:cSld>
@@ -8318,7 +8344,8 @@
           <a:p>
             <a:fld id="{64DCE64C-8487-40EE-8727-5E483AC79F68}" type="datetimeFigureOut">
               <a:rPr lang="ru-RU" smtClean="0"/>
-              <a:t>2015.06.25</a:t>
+              <a:pPr/>
+              <a:t>26.06.2015</a:t>
             </a:fld>
             <a:endParaRPr lang="ru-RU"/>
           </a:p>
@@ -8360,6 +8387,7 @@
           <a:p>
             <a:fld id="{4D1593E7-8C7C-4449-9060-98B473C5D039}" type="slidenum">
               <a:rPr lang="ru-RU" smtClean="0"/>
+              <a:pPr/>
               <a:t>‹#›</a:t>
             </a:fld>
             <a:endParaRPr lang="ru-RU"/>
@@ -8369,7 +8397,7 @@
     </p:spTree>
     <p:extLst>
       <p:ext uri="{BB962C8B-B14F-4D97-AF65-F5344CB8AC3E}">
-        <p14:creationId xmlns:p14="http://schemas.microsoft.com/office/powerpoint/2010/main" val="4128248612"/>
+        <p14:creationId xmlns:p14="http://schemas.microsoft.com/office/powerpoint/2010/main" xmlns="" val="4128248612"/>
       </p:ext>
     </p:extLst>
   </p:cSld>
@@ -8413,7 +8441,8 @@
           <a:p>
             <a:fld id="{64DCE64C-8487-40EE-8727-5E483AC79F68}" type="datetimeFigureOut">
               <a:rPr lang="ru-RU" smtClean="0"/>
-              <a:t>2015.06.25</a:t>
+              <a:pPr/>
+              <a:t>26.06.2015</a:t>
             </a:fld>
             <a:endParaRPr lang="ru-RU"/>
           </a:p>
@@ -8455,6 +8484,7 @@
           <a:p>
             <a:fld id="{4D1593E7-8C7C-4449-9060-98B473C5D039}" type="slidenum">
               <a:rPr lang="ru-RU" smtClean="0"/>
+              <a:pPr/>
               <a:t>‹#›</a:t>
             </a:fld>
             <a:endParaRPr lang="ru-RU"/>
@@ -8464,7 +8494,7 @@
     </p:spTree>
     <p:extLst>
       <p:ext uri="{BB962C8B-B14F-4D97-AF65-F5344CB8AC3E}">
-        <p14:creationId xmlns:p14="http://schemas.microsoft.com/office/powerpoint/2010/main" val="3702602399"/>
+        <p14:creationId xmlns:p14="http://schemas.microsoft.com/office/powerpoint/2010/main" xmlns="" val="3702602399"/>
       </p:ext>
     </p:extLst>
   </p:cSld>
@@ -8503,8 +8533,8 @@
         </p:nvSpPr>
         <p:spPr>
           <a:xfrm>
-            <a:off x="1146705" y="609601"/>
-            <a:ext cx="3856037" cy="1639884"/>
+            <a:off x="931698" y="609601"/>
+            <a:ext cx="3133030" cy="1639884"/>
           </a:xfrm>
         </p:spPr>
         <p:txBody>
@@ -8535,8 +8565,8 @@
         </p:nvSpPr>
         <p:spPr>
           <a:xfrm>
-            <a:off x="5156200" y="592666"/>
-            <a:ext cx="5891209" cy="5198534"/>
+            <a:off x="4189413" y="592666"/>
+            <a:ext cx="4786607" cy="5198534"/>
           </a:xfrm>
         </p:spPr>
         <p:txBody>
@@ -8592,8 +8622,8 @@
         </p:nvSpPr>
         <p:spPr>
           <a:xfrm>
-            <a:off x="1146705" y="2249486"/>
-            <a:ext cx="3856037" cy="3541714"/>
+            <a:off x="931698" y="2249486"/>
+            <a:ext cx="3133030" cy="3541714"/>
           </a:xfrm>
         </p:spPr>
         <p:txBody>
@@ -8662,7 +8692,8 @@
           <a:p>
             <a:fld id="{64DCE64C-8487-40EE-8727-5E483AC79F68}" type="datetimeFigureOut">
               <a:rPr lang="ru-RU" smtClean="0"/>
-              <a:t>2015.06.25</a:t>
+              <a:pPr/>
+              <a:t>26.06.2015</a:t>
             </a:fld>
             <a:endParaRPr lang="ru-RU"/>
           </a:p>
@@ -8704,6 +8735,7 @@
           <a:p>
             <a:fld id="{4D1593E7-8C7C-4449-9060-98B473C5D039}" type="slidenum">
               <a:rPr lang="ru-RU" smtClean="0"/>
+              <a:pPr/>
               <a:t>‹#›</a:t>
             </a:fld>
             <a:endParaRPr lang="ru-RU"/>
@@ -8713,7 +8745,7 @@
     </p:spTree>
     <p:extLst>
       <p:ext uri="{BB962C8B-B14F-4D97-AF65-F5344CB8AC3E}">
-        <p14:creationId xmlns:p14="http://schemas.microsoft.com/office/powerpoint/2010/main" val="4118258952"/>
+        <p14:creationId xmlns:p14="http://schemas.microsoft.com/office/powerpoint/2010/main" xmlns="" val="4118258952"/>
       </p:ext>
     </p:extLst>
   </p:cSld>
@@ -8752,8 +8784,8 @@
         </p:nvSpPr>
         <p:spPr>
           <a:xfrm>
-            <a:off x="1141413" y="609600"/>
-            <a:ext cx="5934508" cy="1639886"/>
+            <a:off x="927398" y="609600"/>
+            <a:ext cx="4821788" cy="1639886"/>
           </a:xfrm>
         </p:spPr>
         <p:txBody>
@@ -8784,8 +8816,8 @@
         </p:nvSpPr>
         <p:spPr>
           <a:xfrm>
-            <a:off x="7380721" y="609601"/>
-            <a:ext cx="3666690" cy="5181599"/>
+            <a:off x="5996836" y="609602"/>
+            <a:ext cx="2979186" cy="5181599"/>
           </a:xfrm>
           <a:prstGeom prst="round2DiagRect">
             <a:avLst>
@@ -8872,8 +8904,8 @@
         </p:nvSpPr>
         <p:spPr>
           <a:xfrm>
-            <a:off x="1141410" y="2249486"/>
-            <a:ext cx="5934511" cy="3541714"/>
+            <a:off x="927396" y="2249486"/>
+            <a:ext cx="4821790" cy="3541714"/>
           </a:xfrm>
         </p:spPr>
         <p:txBody>
@@ -8942,7 +8974,8 @@
           <a:p>
             <a:fld id="{64DCE64C-8487-40EE-8727-5E483AC79F68}" type="datetimeFigureOut">
               <a:rPr lang="ru-RU" smtClean="0"/>
-              <a:t>2015.06.25</a:t>
+              <a:pPr/>
+              <a:t>26.06.2015</a:t>
             </a:fld>
             <a:endParaRPr lang="ru-RU"/>
           </a:p>
@@ -8984,6 +9017,7 @@
           <a:p>
             <a:fld id="{4D1593E7-8C7C-4449-9060-98B473C5D039}" type="slidenum">
               <a:rPr lang="ru-RU" smtClean="0"/>
+              <a:pPr/>
               <a:t>‹#›</a:t>
             </a:fld>
             <a:endParaRPr lang="ru-RU"/>
@@ -8993,7 +9027,7 @@
     </p:spTree>
     <p:extLst>
       <p:ext uri="{BB962C8B-B14F-4D97-AF65-F5344CB8AC3E}">
-        <p14:creationId xmlns:p14="http://schemas.microsoft.com/office/powerpoint/2010/main" val="3905251653"/>
+        <p14:creationId xmlns:p14="http://schemas.microsoft.com/office/powerpoint/2010/main" xmlns="" val="3905251653"/>
       </p:ext>
     </p:extLst>
   </p:cSld>
@@ -9034,11 +9068,11 @@
           <p:nvPr/>
         </p:nvPicPr>
         <p:blipFill>
-          <a:blip r:embed="rId19">
+          <a:blip r:embed="rId19" cstate="print">
             <a:alphaModFix amt="30000"/>
             <a:extLst>
               <a:ext uri="{28A0092B-C50C-407E-A947-70E740481C1C}">
-                <a14:useLocalDpi xmlns:a14="http://schemas.microsoft.com/office/drawing/2010/main" val="0"/>
+                <a14:useLocalDpi xmlns:a14="http://schemas.microsoft.com/office/drawing/2010/main" xmlns="" val="0"/>
               </a:ext>
             </a:extLst>
           </a:blip>
@@ -9049,8 +9083,8 @@
         </p:blipFill>
         <p:spPr bwMode="auto">
           <a:xfrm>
-            <a:off x="0" y="-1"/>
-            <a:ext cx="12192003" cy="6858001"/>
+            <a:off x="1" y="-1"/>
+            <a:ext cx="9906002" cy="6858001"/>
           </a:xfrm>
           <a:prstGeom prst="rect">
             <a:avLst/>
@@ -9058,7 +9092,7 @@
           <a:noFill/>
           <a:extLst>
             <a:ext uri="{909E8E84-426E-40dd-AFC4-6F175D3DCCD1}">
-              <a14:hiddenFill xmlns="" xmlns:a14="http://schemas.microsoft.com/office/drawing/2010/main">
+              <a14:hiddenFill xmlns:a14="http://schemas.microsoft.com/office/drawing/2010/main" xmlns="">
                 <a:solidFill>
                   <a:srgbClr val="FFFFFF"/>
                 </a:solidFill>
@@ -9075,8 +9109,8 @@
         </p:nvGrpSpPr>
         <p:grpSpPr>
           <a:xfrm>
-            <a:off x="-14288" y="0"/>
-            <a:ext cx="12053888" cy="6858001"/>
+            <a:off x="-11609" y="1"/>
+            <a:ext cx="9793784" cy="6858001"/>
             <a:chOff x="-14288" y="0"/>
             <a:chExt cx="12053888" cy="6858001"/>
           </a:xfrm>
@@ -9132,7 +9166,7 @@
               </a:ln>
               <a:extLst>
                 <a:ext uri="{91240B29-F687-4f45-9708-019B960494DF}">
-                  <a14:hiddenLine xmlns="" xmlns:a14="http://schemas.microsoft.com/office/drawing/2010/main" w="9525">
+                  <a14:hiddenLine xmlns:a14="http://schemas.microsoft.com/office/drawing/2010/main" xmlns="" w="9525">
                     <a:solidFill>
                       <a:srgbClr val="000000"/>
                     </a:solidFill>
@@ -9222,7 +9256,7 @@
               </a:ln>
               <a:extLst>
                 <a:ext uri="{91240B29-F687-4f45-9708-019B960494DF}">
-                  <a14:hiddenLine xmlns="" xmlns:a14="http://schemas.microsoft.com/office/drawing/2010/main" w="9525">
+                  <a14:hiddenLine xmlns:a14="http://schemas.microsoft.com/office/drawing/2010/main" xmlns="" w="9525">
                     <a:solidFill>
                       <a:srgbClr val="000000"/>
                     </a:solidFill>
@@ -9312,7 +9346,7 @@
               </a:ln>
               <a:extLst>
                 <a:ext uri="{91240B29-F687-4f45-9708-019B960494DF}">
-                  <a14:hiddenLine xmlns="" xmlns:a14="http://schemas.microsoft.com/office/drawing/2010/main" w="9525">
+                  <a14:hiddenLine xmlns:a14="http://schemas.microsoft.com/office/drawing/2010/main" xmlns="" w="9525">
                     <a:solidFill>
                       <a:srgbClr val="000000"/>
                     </a:solidFill>
@@ -9374,7 +9408,7 @@
               </a:ln>
               <a:extLst>
                 <a:ext uri="{91240B29-F687-4f45-9708-019B960494DF}">
-                  <a14:hiddenLine xmlns="" xmlns:a14="http://schemas.microsoft.com/office/drawing/2010/main" w="9525">
+                  <a14:hiddenLine xmlns:a14="http://schemas.microsoft.com/office/drawing/2010/main" xmlns="" w="9525">
                     <a:solidFill>
                       <a:srgbClr val="000000"/>
                     </a:solidFill>
@@ -9464,7 +9498,7 @@
               </a:ln>
               <a:extLst>
                 <a:ext uri="{91240B29-F687-4f45-9708-019B960494DF}">
-                  <a14:hiddenLine xmlns="" xmlns:a14="http://schemas.microsoft.com/office/drawing/2010/main" w="9525">
+                  <a14:hiddenLine xmlns:a14="http://schemas.microsoft.com/office/drawing/2010/main" xmlns="" w="9525">
                     <a:solidFill>
                       <a:srgbClr val="000000"/>
                     </a:solidFill>
@@ -9526,7 +9560,7 @@
               </a:ln>
               <a:extLst>
                 <a:ext uri="{91240B29-F687-4f45-9708-019B960494DF}">
-                  <a14:hiddenLine xmlns="" xmlns:a14="http://schemas.microsoft.com/office/drawing/2010/main" w="9525">
+                  <a14:hiddenLine xmlns:a14="http://schemas.microsoft.com/office/drawing/2010/main" xmlns="" w="9525">
                     <a:solidFill>
                       <a:srgbClr val="000000"/>
                     </a:solidFill>
@@ -9588,7 +9622,7 @@
               </a:ln>
               <a:extLst>
                 <a:ext uri="{91240B29-F687-4f45-9708-019B960494DF}">
-                  <a14:hiddenLine xmlns="" xmlns:a14="http://schemas.microsoft.com/office/drawing/2010/main" w="9525">
+                  <a14:hiddenLine xmlns:a14="http://schemas.microsoft.com/office/drawing/2010/main" xmlns="" w="9525">
                     <a:solidFill>
                       <a:srgbClr val="000000"/>
                     </a:solidFill>
@@ -9678,7 +9712,7 @@
               </a:ln>
               <a:extLst>
                 <a:ext uri="{91240B29-F687-4f45-9708-019B960494DF}">
-                  <a14:hiddenLine xmlns="" xmlns:a14="http://schemas.microsoft.com/office/drawing/2010/main" w="9525">
+                  <a14:hiddenLine xmlns:a14="http://schemas.microsoft.com/office/drawing/2010/main" xmlns="" w="9525">
                     <a:solidFill>
                       <a:srgbClr val="000000"/>
                     </a:solidFill>
@@ -9768,7 +9802,7 @@
               </a:ln>
               <a:extLst>
                 <a:ext uri="{91240B29-F687-4f45-9708-019B960494DF}">
-                  <a14:hiddenLine xmlns="" xmlns:a14="http://schemas.microsoft.com/office/drawing/2010/main" w="9525">
+                  <a14:hiddenLine xmlns:a14="http://schemas.microsoft.com/office/drawing/2010/main" xmlns="" w="9525">
                     <a:solidFill>
                       <a:srgbClr val="000000"/>
                     </a:solidFill>
@@ -9830,7 +9864,7 @@
               </a:ln>
               <a:extLst>
                 <a:ext uri="{91240B29-F687-4f45-9708-019B960494DF}">
-                  <a14:hiddenLine xmlns="" xmlns:a14="http://schemas.microsoft.com/office/drawing/2010/main" w="9525">
+                  <a14:hiddenLine xmlns:a14="http://schemas.microsoft.com/office/drawing/2010/main" xmlns="" w="9525">
                     <a:solidFill>
                       <a:srgbClr val="000000"/>
                     </a:solidFill>
@@ -9940,7 +9974,7 @@
               </a:ln>
               <a:extLst>
                 <a:ext uri="{91240B29-F687-4f45-9708-019B960494DF}">
-                  <a14:hiddenLine xmlns="" xmlns:a14="http://schemas.microsoft.com/office/drawing/2010/main" w="9525">
+                  <a14:hiddenLine xmlns:a14="http://schemas.microsoft.com/office/drawing/2010/main" xmlns="" w="9525">
                     <a:solidFill>
                       <a:srgbClr val="000000"/>
                     </a:solidFill>
@@ -10024,7 +10058,7 @@
               </a:ln>
               <a:extLst>
                 <a:ext uri="{91240B29-F687-4f45-9708-019B960494DF}">
-                  <a14:hiddenLine xmlns="" xmlns:a14="http://schemas.microsoft.com/office/drawing/2010/main" w="9525">
+                  <a14:hiddenLine xmlns:a14="http://schemas.microsoft.com/office/drawing/2010/main" xmlns="" w="9525">
                     <a:solidFill>
                       <a:srgbClr val="000000"/>
                     </a:solidFill>
@@ -10086,7 +10120,7 @@
               </a:ln>
               <a:extLst>
                 <a:ext uri="{91240B29-F687-4f45-9708-019B960494DF}">
-                  <a14:hiddenLine xmlns="" xmlns:a14="http://schemas.microsoft.com/office/drawing/2010/main" w="9525">
+                  <a14:hiddenLine xmlns:a14="http://schemas.microsoft.com/office/drawing/2010/main" xmlns="" w="9525">
                     <a:solidFill>
                       <a:srgbClr val="000000"/>
                     </a:solidFill>
@@ -10148,7 +10182,7 @@
               </a:ln>
               <a:extLst>
                 <a:ext uri="{91240B29-F687-4f45-9708-019B960494DF}">
-                  <a14:hiddenLine xmlns="" xmlns:a14="http://schemas.microsoft.com/office/drawing/2010/main" w="9525">
+                  <a14:hiddenLine xmlns:a14="http://schemas.microsoft.com/office/drawing/2010/main" xmlns="" w="9525">
                     <a:solidFill>
                       <a:srgbClr val="000000"/>
                     </a:solidFill>
@@ -10238,7 +10272,7 @@
               </a:ln>
               <a:extLst>
                 <a:ext uri="{91240B29-F687-4f45-9708-019B960494DF}">
-                  <a14:hiddenLine xmlns="" xmlns:a14="http://schemas.microsoft.com/office/drawing/2010/main" w="9525">
+                  <a14:hiddenLine xmlns:a14="http://schemas.microsoft.com/office/drawing/2010/main" xmlns="" w="9525">
                     <a:solidFill>
                       <a:srgbClr val="000000"/>
                     </a:solidFill>
@@ -10272,7 +10306,7 @@
               </a:ln>
               <a:extLst>
                 <a:ext uri="{91240B29-F687-4f45-9708-019B960494DF}">
-                  <a14:hiddenLine xmlns="" xmlns:a14="http://schemas.microsoft.com/office/drawing/2010/main" w="9525">
+                  <a14:hiddenLine xmlns:a14="http://schemas.microsoft.com/office/drawing/2010/main" xmlns="" w="9525">
                     <a:solidFill>
                       <a:srgbClr val="000000"/>
                     </a:solidFill>
@@ -10337,7 +10371,7 @@
               </a:ln>
               <a:extLst>
                 <a:ext uri="{91240B29-F687-4f45-9708-019B960494DF}">
-                  <a14:hiddenLine xmlns="" xmlns:a14="http://schemas.microsoft.com/office/drawing/2010/main" w="9525">
+                  <a14:hiddenLine xmlns:a14="http://schemas.microsoft.com/office/drawing/2010/main" xmlns="" w="9525">
                     <a:solidFill>
                       <a:srgbClr val="000000"/>
                     </a:solidFill>
@@ -10427,7 +10461,7 @@
               </a:ln>
               <a:extLst>
                 <a:ext uri="{91240B29-F687-4f45-9708-019B960494DF}">
-                  <a14:hiddenLine xmlns="" xmlns:a14="http://schemas.microsoft.com/office/drawing/2010/main" w="9525">
+                  <a14:hiddenLine xmlns:a14="http://schemas.microsoft.com/office/drawing/2010/main" xmlns="" w="9525">
                     <a:solidFill>
                       <a:srgbClr val="000000"/>
                     </a:solidFill>
@@ -10489,7 +10523,7 @@
               </a:ln>
               <a:extLst>
                 <a:ext uri="{91240B29-F687-4f45-9708-019B960494DF}">
-                  <a14:hiddenLine xmlns="" xmlns:a14="http://schemas.microsoft.com/office/drawing/2010/main" w="9525">
+                  <a14:hiddenLine xmlns:a14="http://schemas.microsoft.com/office/drawing/2010/main" xmlns="" w="9525">
                     <a:solidFill>
                       <a:srgbClr val="000000"/>
                     </a:solidFill>
@@ -10579,7 +10613,7 @@
               </a:ln>
               <a:extLst>
                 <a:ext uri="{91240B29-F687-4f45-9708-019B960494DF}">
-                  <a14:hiddenLine xmlns="" xmlns:a14="http://schemas.microsoft.com/office/drawing/2010/main" w="9525">
+                  <a14:hiddenLine xmlns:a14="http://schemas.microsoft.com/office/drawing/2010/main" xmlns="" w="9525">
                     <a:solidFill>
                       <a:srgbClr val="000000"/>
                     </a:solidFill>
@@ -10644,7 +10678,7 @@
               </a:ln>
               <a:extLst>
                 <a:ext uri="{91240B29-F687-4f45-9708-019B960494DF}">
-                  <a14:hiddenLine xmlns="" xmlns:a14="http://schemas.microsoft.com/office/drawing/2010/main" w="9525">
+                  <a14:hiddenLine xmlns:a14="http://schemas.microsoft.com/office/drawing/2010/main" xmlns="" w="9525">
                     <a:solidFill>
                       <a:srgbClr val="000000"/>
                     </a:solidFill>
@@ -10706,7 +10740,7 @@
               </a:ln>
               <a:extLst>
                 <a:ext uri="{91240B29-F687-4f45-9708-019B960494DF}">
-                  <a14:hiddenLine xmlns="" xmlns:a14="http://schemas.microsoft.com/office/drawing/2010/main" w="9525">
+                  <a14:hiddenLine xmlns:a14="http://schemas.microsoft.com/office/drawing/2010/main" xmlns="" w="9525">
                     <a:solidFill>
                       <a:srgbClr val="000000"/>
                     </a:solidFill>
@@ -10796,7 +10830,7 @@
               </a:ln>
               <a:extLst>
                 <a:ext uri="{91240B29-F687-4f45-9708-019B960494DF}">
-                  <a14:hiddenLine xmlns="" xmlns:a14="http://schemas.microsoft.com/office/drawing/2010/main" w="9525">
+                  <a14:hiddenLine xmlns:a14="http://schemas.microsoft.com/office/drawing/2010/main" xmlns="" w="9525">
                     <a:solidFill>
                       <a:srgbClr val="000000"/>
                     </a:solidFill>
@@ -10886,7 +10920,7 @@
               </a:ln>
               <a:extLst>
                 <a:ext uri="{91240B29-F687-4f45-9708-019B960494DF}">
-                  <a14:hiddenLine xmlns="" xmlns:a14="http://schemas.microsoft.com/office/drawing/2010/main" w="9525">
+                  <a14:hiddenLine xmlns:a14="http://schemas.microsoft.com/office/drawing/2010/main" xmlns="" w="9525">
                     <a:solidFill>
                       <a:srgbClr val="000000"/>
                     </a:solidFill>
@@ -10951,7 +10985,7 @@
               </a:ln>
               <a:extLst>
                 <a:ext uri="{91240B29-F687-4f45-9708-019B960494DF}">
-                  <a14:hiddenLine xmlns="" xmlns:a14="http://schemas.microsoft.com/office/drawing/2010/main" w="9525">
+                  <a14:hiddenLine xmlns:a14="http://schemas.microsoft.com/office/drawing/2010/main" xmlns="" w="9525">
                     <a:solidFill>
                       <a:srgbClr val="000000"/>
                     </a:solidFill>
@@ -11071,7 +11105,7 @@
               </a:ln>
               <a:extLst>
                 <a:ext uri="{91240B29-F687-4f45-9708-019B960494DF}">
-                  <a14:hiddenLine xmlns="" xmlns:a14="http://schemas.microsoft.com/office/drawing/2010/main" w="9525">
+                  <a14:hiddenLine xmlns:a14="http://schemas.microsoft.com/office/drawing/2010/main" xmlns="" w="9525">
                     <a:solidFill>
                       <a:srgbClr val="000000"/>
                     </a:solidFill>
@@ -11169,7 +11203,7 @@
               </a:ln>
               <a:extLst>
                 <a:ext uri="{91240B29-F687-4f45-9708-019B960494DF}">
-                  <a14:hiddenLine xmlns="" xmlns:a14="http://schemas.microsoft.com/office/drawing/2010/main" w="9525">
+                  <a14:hiddenLine xmlns:a14="http://schemas.microsoft.com/office/drawing/2010/main" xmlns="" w="9525">
                     <a:solidFill>
                       <a:srgbClr val="000000"/>
                     </a:solidFill>
@@ -11284,7 +11318,7 @@
               </a:ln>
               <a:extLst>
                 <a:ext uri="{91240B29-F687-4f45-9708-019B960494DF}">
-                  <a14:hiddenLine xmlns="" xmlns:a14="http://schemas.microsoft.com/office/drawing/2010/main" w="9525">
+                  <a14:hiddenLine xmlns:a14="http://schemas.microsoft.com/office/drawing/2010/main" xmlns="" w="9525">
                     <a:solidFill>
                       <a:srgbClr val="000000"/>
                     </a:solidFill>
@@ -11374,7 +11408,7 @@
               </a:ln>
               <a:extLst>
                 <a:ext uri="{91240B29-F687-4f45-9708-019B960494DF}">
-                  <a14:hiddenLine xmlns="" xmlns:a14="http://schemas.microsoft.com/office/drawing/2010/main" w="9525">
+                  <a14:hiddenLine xmlns:a14="http://schemas.microsoft.com/office/drawing/2010/main" xmlns="" w="9525">
                     <a:solidFill>
                       <a:srgbClr val="000000"/>
                     </a:solidFill>
@@ -11439,7 +11473,7 @@
               </a:ln>
               <a:extLst>
                 <a:ext uri="{91240B29-F687-4f45-9708-019B960494DF}">
-                  <a14:hiddenLine xmlns="" xmlns:a14="http://schemas.microsoft.com/office/drawing/2010/main" w="9525">
+                  <a14:hiddenLine xmlns:a14="http://schemas.microsoft.com/office/drawing/2010/main" xmlns="" w="9525">
                     <a:solidFill>
                       <a:srgbClr val="000000"/>
                     </a:solidFill>
@@ -11529,7 +11563,7 @@
               </a:ln>
               <a:extLst>
                 <a:ext uri="{91240B29-F687-4f45-9708-019B960494DF}">
-                  <a14:hiddenLine xmlns="" xmlns:a14="http://schemas.microsoft.com/office/drawing/2010/main" w="9525">
+                  <a14:hiddenLine xmlns:a14="http://schemas.microsoft.com/office/drawing/2010/main" xmlns="" w="9525">
                     <a:solidFill>
                       <a:srgbClr val="000000"/>
                     </a:solidFill>
@@ -11597,7 +11631,7 @@
               </a:ln>
               <a:extLst>
                 <a:ext uri="{91240B29-F687-4f45-9708-019B960494DF}">
-                  <a14:hiddenLine xmlns="" xmlns:a14="http://schemas.microsoft.com/office/drawing/2010/main" w="9525">
+                  <a14:hiddenLine xmlns:a14="http://schemas.microsoft.com/office/drawing/2010/main" xmlns="" w="9525">
                     <a:solidFill>
                       <a:srgbClr val="000000"/>
                     </a:solidFill>
@@ -11687,7 +11721,7 @@
               </a:ln>
               <a:extLst>
                 <a:ext uri="{91240B29-F687-4f45-9708-019B960494DF}">
-                  <a14:hiddenLine xmlns="" xmlns:a14="http://schemas.microsoft.com/office/drawing/2010/main" w="9525">
+                  <a14:hiddenLine xmlns:a14="http://schemas.microsoft.com/office/drawing/2010/main" xmlns="" w="9525">
                     <a:solidFill>
                       <a:srgbClr val="000000"/>
                     </a:solidFill>
@@ -11755,7 +11789,7 @@
               </a:ln>
               <a:extLst>
                 <a:ext uri="{91240B29-F687-4f45-9708-019B960494DF}">
-                  <a14:hiddenLine xmlns="" xmlns:a14="http://schemas.microsoft.com/office/drawing/2010/main" w="9525">
+                  <a14:hiddenLine xmlns:a14="http://schemas.microsoft.com/office/drawing/2010/main" xmlns="" w="9525">
                     <a:solidFill>
                       <a:srgbClr val="000000"/>
                     </a:solidFill>
@@ -11845,7 +11879,7 @@
               </a:ln>
               <a:extLst>
                 <a:ext uri="{91240B29-F687-4f45-9708-019B960494DF}">
-                  <a14:hiddenLine xmlns="" xmlns:a14="http://schemas.microsoft.com/office/drawing/2010/main" w="9525">
+                  <a14:hiddenLine xmlns:a14="http://schemas.microsoft.com/office/drawing/2010/main" xmlns="" w="9525">
                     <a:solidFill>
                       <a:srgbClr val="000000"/>
                     </a:solidFill>
@@ -11879,7 +11913,7 @@
               </a:ln>
               <a:extLst>
                 <a:ext uri="{91240B29-F687-4f45-9708-019B960494DF}">
-                  <a14:hiddenLine xmlns="" xmlns:a14="http://schemas.microsoft.com/office/drawing/2010/main" w="9525">
+                  <a14:hiddenLine xmlns:a14="http://schemas.microsoft.com/office/drawing/2010/main" xmlns="" w="9525">
                     <a:solidFill>
                       <a:srgbClr val="000000"/>
                     </a:solidFill>
@@ -11905,8 +11939,8 @@
         </p:nvSpPr>
         <p:spPr>
           <a:xfrm>
-            <a:off x="1141413" y="618518"/>
-            <a:ext cx="9905998" cy="1478570"/>
+            <a:off x="927398" y="618518"/>
+            <a:ext cx="8048623" cy="1478570"/>
           </a:xfrm>
           <a:prstGeom prst="rect">
             <a:avLst/>
@@ -11934,8 +11968,8 @@
         </p:nvSpPr>
         <p:spPr>
           <a:xfrm>
-            <a:off x="1141412" y="2249487"/>
-            <a:ext cx="9905999" cy="3541714"/>
+            <a:off x="927398" y="2249487"/>
+            <a:ext cx="8048624" cy="3541714"/>
           </a:xfrm>
           <a:prstGeom prst="rect">
             <a:avLst/>
@@ -11996,8 +12030,8 @@
         </p:nvSpPr>
         <p:spPr>
           <a:xfrm>
-            <a:off x="7456921" y="5883276"/>
-            <a:ext cx="2743200" cy="365125"/>
+            <a:off x="6058748" y="5883277"/>
+            <a:ext cx="2228850" cy="365125"/>
           </a:xfrm>
           <a:prstGeom prst="rect">
             <a:avLst/>
@@ -12019,7 +12053,8 @@
           <a:p>
             <a:fld id="{64DCE64C-8487-40EE-8727-5E483AC79F68}" type="datetimeFigureOut">
               <a:rPr lang="ru-RU" smtClean="0"/>
-              <a:t>2015.06.25</a:t>
+              <a:pPr/>
+              <a:t>26.06.2015</a:t>
             </a:fld>
             <a:endParaRPr lang="ru-RU"/>
           </a:p>
@@ -12037,8 +12072,8 @@
         </p:nvSpPr>
         <p:spPr>
           <a:xfrm>
-            <a:off x="1141411" y="5883275"/>
-            <a:ext cx="6239309" cy="365125"/>
+            <a:off x="927397" y="5883276"/>
+            <a:ext cx="5069439" cy="365125"/>
           </a:xfrm>
           <a:prstGeom prst="rect">
             <a:avLst/>
@@ -12074,8 +12109,8 @@
         </p:nvSpPr>
         <p:spPr>
           <a:xfrm>
-            <a:off x="10276321" y="5883274"/>
-            <a:ext cx="771089" cy="365125"/>
+            <a:off x="8349511" y="5883275"/>
+            <a:ext cx="626510" cy="365125"/>
           </a:xfrm>
           <a:prstGeom prst="rect">
             <a:avLst/>
@@ -12097,6 +12132,7 @@
           <a:p>
             <a:fld id="{4D1593E7-8C7C-4449-9060-98B473C5D039}" type="slidenum">
               <a:rPr lang="ru-RU" smtClean="0"/>
+              <a:pPr/>
               <a:t>‹#›</a:t>
             </a:fld>
             <a:endParaRPr lang="ru-RU"/>
@@ -12106,7 +12142,7 @@
     </p:spTree>
     <p:extLst>
       <p:ext uri="{BB962C8B-B14F-4D97-AF65-F5344CB8AC3E}">
-        <p14:creationId xmlns:p14="http://schemas.microsoft.com/office/powerpoint/2010/main" val="3754157530"/>
+        <p14:creationId xmlns:p14="http://schemas.microsoft.com/office/powerpoint/2010/main" xmlns="" val="3754157530"/>
       </p:ext>
     </p:extLst>
   </p:cSld>
@@ -12496,7 +12532,7 @@
           <a:blip r:embed="rId2" cstate="print">
             <a:extLst>
               <a:ext uri="{28A0092B-C50C-407E-A947-70E740481C1C}">
-                <a14:useLocalDpi xmlns:a14="http://schemas.microsoft.com/office/drawing/2010/main" val="0"/>
+                <a14:useLocalDpi xmlns:a14="http://schemas.microsoft.com/office/drawing/2010/main" xmlns="" val="0"/>
               </a:ext>
             </a:extLst>
           </a:blip>
@@ -12506,8 +12542,8 @@
         </p:blipFill>
         <p:spPr>
           <a:xfrm>
-            <a:off x="4545085" y="481720"/>
-            <a:ext cx="6925998" cy="5173122"/>
+            <a:off x="3692882" y="481720"/>
+            <a:ext cx="5627373" cy="5173122"/>
           </a:xfrm>
           <a:prstGeom prst="roundRect">
             <a:avLst>
@@ -12535,7 +12571,7 @@
         </p:nvSpPr>
         <p:spPr>
           <a:xfrm>
-            <a:off x="7858109" y="6295485"/>
+            <a:off x="6384713" y="6295485"/>
             <a:ext cx="3701206" cy="369332"/>
           </a:xfrm>
           <a:prstGeom prst="rect">
@@ -12561,7 +12597,7 @@
     </p:spTree>
     <p:extLst>
       <p:ext uri="{BB962C8B-B14F-4D97-AF65-F5344CB8AC3E}">
-        <p14:creationId xmlns:p14="http://schemas.microsoft.com/office/powerpoint/2010/main" val="1607534847"/>
+        <p14:creationId xmlns:p14="http://schemas.microsoft.com/office/powerpoint/2010/main" xmlns="" val="1607534847"/>
       </p:ext>
     </p:extLst>
   </p:cSld>
@@ -12693,7 +12729,7 @@
     </p:spTree>
     <p:extLst>
       <p:ext uri="{BB962C8B-B14F-4D97-AF65-F5344CB8AC3E}">
-        <p14:creationId xmlns:p14="http://schemas.microsoft.com/office/powerpoint/2010/main" val="259959781"/>
+        <p14:creationId xmlns:p14="http://schemas.microsoft.com/office/powerpoint/2010/main" xmlns="" val="259959781"/>
       </p:ext>
     </p:extLst>
   </p:cSld>
@@ -12761,15 +12797,15 @@
           </p:nvPr>
         </p:nvPicPr>
         <p:blipFill>
-          <a:blip r:embed="rId2"/>
+          <a:blip r:embed="rId2" cstate="print"/>
           <a:stretch>
             <a:fillRect/>
           </a:stretch>
         </p:blipFill>
         <p:spPr>
           <a:xfrm>
-            <a:off x="469867" y="1840413"/>
-            <a:ext cx="11249089" cy="4568408"/>
+            <a:off x="381767" y="1840413"/>
+            <a:ext cx="9139885" cy="4568408"/>
           </a:xfrm>
           <a:prstGeom prst="rect">
             <a:avLst/>
@@ -12789,7 +12825,7 @@
     </p:spTree>
     <p:extLst>
       <p:ext uri="{BB962C8B-B14F-4D97-AF65-F5344CB8AC3E}">
-        <p14:creationId xmlns:p14="http://schemas.microsoft.com/office/powerpoint/2010/main" val="1480715808"/>
+        <p14:creationId xmlns:p14="http://schemas.microsoft.com/office/powerpoint/2010/main" xmlns="" val="1480715808"/>
       </p:ext>
     </p:extLst>
   </p:cSld>
@@ -12857,15 +12893,15 @@
           </p:nvPr>
         </p:nvPicPr>
         <p:blipFill>
-          <a:blip r:embed="rId2"/>
+          <a:blip r:embed="rId2" cstate="print"/>
           <a:stretch>
             <a:fillRect/>
           </a:stretch>
         </p:blipFill>
         <p:spPr>
           <a:xfrm>
-            <a:off x="1085265" y="3351578"/>
-            <a:ext cx="6677025" cy="1800225"/>
+            <a:off x="881778" y="3351579"/>
+            <a:ext cx="5425083" cy="1800225"/>
           </a:xfrm>
           <a:prstGeom prst="rect">
             <a:avLst/>
@@ -12881,15 +12917,15 @@
           <p:nvPr/>
         </p:nvPicPr>
         <p:blipFill>
-          <a:blip r:embed="rId3"/>
+          <a:blip r:embed="rId3" cstate="print"/>
           <a:stretch>
             <a:fillRect/>
           </a:stretch>
         </p:blipFill>
         <p:spPr>
           <a:xfrm>
-            <a:off x="1085265" y="5594934"/>
-            <a:ext cx="10601325" cy="962025"/>
+            <a:off x="881778" y="5594935"/>
+            <a:ext cx="8613577" cy="962025"/>
           </a:xfrm>
           <a:prstGeom prst="rect">
             <a:avLst/>
@@ -12905,15 +12941,15 @@
           <p:nvPr/>
         </p:nvPicPr>
         <p:blipFill>
-          <a:blip r:embed="rId4"/>
+          <a:blip r:embed="rId4" cstate="print"/>
           <a:stretch>
             <a:fillRect/>
           </a:stretch>
         </p:blipFill>
         <p:spPr>
           <a:xfrm>
-            <a:off x="1085265" y="2264259"/>
-            <a:ext cx="10553700" cy="800100"/>
+            <a:off x="881778" y="2264259"/>
+            <a:ext cx="8574881" cy="800100"/>
           </a:xfrm>
           <a:prstGeom prst="rect">
             <a:avLst/>
@@ -12928,8 +12964,8 @@
         </p:nvSpPr>
         <p:spPr>
           <a:xfrm>
-            <a:off x="994611" y="1912422"/>
-            <a:ext cx="2197768" cy="369332"/>
+            <a:off x="808121" y="1912422"/>
+            <a:ext cx="1785687" cy="646331"/>
           </a:xfrm>
           <a:prstGeom prst="rect">
             <a:avLst/>
@@ -12958,8 +12994,8 @@
         </p:nvSpPr>
         <p:spPr>
           <a:xfrm>
-            <a:off x="1085265" y="3064359"/>
-            <a:ext cx="2197768" cy="369332"/>
+            <a:off x="881778" y="3064359"/>
+            <a:ext cx="1785687" cy="369332"/>
           </a:xfrm>
           <a:prstGeom prst="rect">
             <a:avLst/>
@@ -12992,8 +13028,8 @@
         </p:nvSpPr>
         <p:spPr>
           <a:xfrm>
-            <a:off x="1085265" y="5254356"/>
-            <a:ext cx="2197768" cy="369332"/>
+            <a:off x="881778" y="5254356"/>
+            <a:ext cx="1785687" cy="369332"/>
           </a:xfrm>
           <a:prstGeom prst="rect">
             <a:avLst/>
@@ -13017,7 +13053,7 @@
     </p:spTree>
     <p:extLst>
       <p:ext uri="{BB962C8B-B14F-4D97-AF65-F5344CB8AC3E}">
-        <p14:creationId xmlns:p14="http://schemas.microsoft.com/office/powerpoint/2010/main" val="2773609574"/>
+        <p14:creationId xmlns:p14="http://schemas.microsoft.com/office/powerpoint/2010/main" xmlns="" val="2773609574"/>
       </p:ext>
     </p:extLst>
   </p:cSld>
@@ -13070,7 +13106,7 @@
     </a:clrScheme>
     <a:fontScheme name="Circuit">
       <a:majorFont>
-        <a:latin typeface="Tw Cen MT" panose="020B0602020104020603"/>
+        <a:latin typeface="Tw Cen MT"/>
         <a:ea typeface=""/>
         <a:cs typeface=""/>
         <a:font script="Jpan" typeface="ＭＳ Ｐゴシック"/>
@@ -13105,7 +13141,7 @@
         <a:font script="Geor" typeface="Sylfaen"/>
       </a:majorFont>
       <a:minorFont>
-        <a:latin typeface="Tw Cen MT" panose="020B0602020104020603"/>
+        <a:latin typeface="Tw Cen MT"/>
         <a:ea typeface=""/>
         <a:cs typeface=""/>
         <a:font script="Jpan" typeface="ＭＳ Ｐゴシック"/>
@@ -13272,7 +13308,7 @@
   <a:extraClrSchemeLst/>
   <a:extLst>
     <a:ext uri="{05A4C25C-085E-4340-85A3-A5531E510DB2}">
-      <thm15:themeFamily xmlns:thm15="http://schemas.microsoft.com/office/thememl/2012/main" name="Circuit" id="{0AC2F7E7-15F5-431C-B2A2-456FE929F56C}" vid="{0911B802-464C-4241-8DD9-B60FF88E379F}"/>
+      <thm15:themeFamily xmlns:thm15="http://schemas.microsoft.com/office/thememl/2012/main" xmlns="" name="Circuit" id="{0AC2F7E7-15F5-431C-B2A2-456FE929F56C}" vid="{0911B802-464C-4241-8DD9-B60FF88E379F}"/>
     </a:ext>
   </a:extLst>
 </a:theme>
